--- a/Thủy Tiên - 0912463/Seminar/Topic #8b - Section 8 & 9 v2.pptx
+++ b/Thủy Tiên - 0912463/Seminar/Topic #8b - Section 8 & 9 v2.pptx
@@ -213,7 +213,7 @@
             <a:fld id="{05A1084F-7AB2-425A-B7C3-A8734C630B61}" type="datetimeFigureOut">
               <a:rPr lang="en-US" smtClean="0"/>
               <a:pPr/>
-              <a:t>12/12/2011</a:t>
+              <a:t>12/13/2011</a:t>
             </a:fld>
             <a:endParaRPr lang="en-US"/>
           </a:p>
@@ -1877,7 +1877,7 @@
             <a:fld id="{FBFE3745-A615-4932-BB55-F3CCCCF66844}" type="datetimeFigureOut">
               <a:rPr lang="en-US" smtClean="0"/>
               <a:pPr/>
-              <a:t>12/12/2011</a:t>
+              <a:t>12/13/2011</a:t>
             </a:fld>
             <a:endParaRPr lang="en-US"/>
           </a:p>
@@ -2044,7 +2044,7 @@
             <a:fld id="{FBFE3745-A615-4932-BB55-F3CCCCF66844}" type="datetimeFigureOut">
               <a:rPr lang="en-US" smtClean="0"/>
               <a:pPr/>
-              <a:t>12/12/2011</a:t>
+              <a:t>12/13/2011</a:t>
             </a:fld>
             <a:endParaRPr lang="en-US"/>
           </a:p>
@@ -2221,7 +2221,7 @@
             <a:fld id="{FBFE3745-A615-4932-BB55-F3CCCCF66844}" type="datetimeFigureOut">
               <a:rPr lang="en-US" smtClean="0"/>
               <a:pPr/>
-              <a:t>12/12/2011</a:t>
+              <a:t>12/13/2011</a:t>
             </a:fld>
             <a:endParaRPr lang="en-US"/>
           </a:p>
@@ -2388,7 +2388,7 @@
             <a:fld id="{FBFE3745-A615-4932-BB55-F3CCCCF66844}" type="datetimeFigureOut">
               <a:rPr lang="en-US" smtClean="0"/>
               <a:pPr/>
-              <a:t>12/12/2011</a:t>
+              <a:t>12/13/2011</a:t>
             </a:fld>
             <a:endParaRPr lang="en-US"/>
           </a:p>
@@ -2631,7 +2631,7 @@
             <a:fld id="{FBFE3745-A615-4932-BB55-F3CCCCF66844}" type="datetimeFigureOut">
               <a:rPr lang="en-US" smtClean="0"/>
               <a:pPr/>
-              <a:t>12/12/2011</a:t>
+              <a:t>12/13/2011</a:t>
             </a:fld>
             <a:endParaRPr lang="en-US"/>
           </a:p>
@@ -2916,7 +2916,7 @@
             <a:fld id="{FBFE3745-A615-4932-BB55-F3CCCCF66844}" type="datetimeFigureOut">
               <a:rPr lang="en-US" smtClean="0"/>
               <a:pPr/>
-              <a:t>12/12/2011</a:t>
+              <a:t>12/13/2011</a:t>
             </a:fld>
             <a:endParaRPr lang="en-US"/>
           </a:p>
@@ -3335,7 +3335,7 @@
             <a:fld id="{FBFE3745-A615-4932-BB55-F3CCCCF66844}" type="datetimeFigureOut">
               <a:rPr lang="en-US" smtClean="0"/>
               <a:pPr/>
-              <a:t>12/12/2011</a:t>
+              <a:t>12/13/2011</a:t>
             </a:fld>
             <a:endParaRPr lang="en-US"/>
           </a:p>
@@ -3450,7 +3450,7 @@
             <a:fld id="{FBFE3745-A615-4932-BB55-F3CCCCF66844}" type="datetimeFigureOut">
               <a:rPr lang="en-US" smtClean="0"/>
               <a:pPr/>
-              <a:t>12/12/2011</a:t>
+              <a:t>12/13/2011</a:t>
             </a:fld>
             <a:endParaRPr lang="en-US"/>
           </a:p>
@@ -3542,7 +3542,7 @@
             <a:fld id="{FBFE3745-A615-4932-BB55-F3CCCCF66844}" type="datetimeFigureOut">
               <a:rPr lang="en-US" smtClean="0"/>
               <a:pPr/>
-              <a:t>12/12/2011</a:t>
+              <a:t>12/13/2011</a:t>
             </a:fld>
             <a:endParaRPr lang="en-US"/>
           </a:p>
@@ -3816,7 +3816,7 @@
             <a:fld id="{FBFE3745-A615-4932-BB55-F3CCCCF66844}" type="datetimeFigureOut">
               <a:rPr lang="en-US" smtClean="0"/>
               <a:pPr/>
-              <a:t>12/12/2011</a:t>
+              <a:t>12/13/2011</a:t>
             </a:fld>
             <a:endParaRPr lang="en-US"/>
           </a:p>
@@ -4066,7 +4066,7 @@
             <a:fld id="{FBFE3745-A615-4932-BB55-F3CCCCF66844}" type="datetimeFigureOut">
               <a:rPr lang="en-US" smtClean="0"/>
               <a:pPr/>
-              <a:t>12/12/2011</a:t>
+              <a:t>12/13/2011</a:t>
             </a:fld>
             <a:endParaRPr lang="en-US"/>
           </a:p>
@@ -4276,7 +4276,7 @@
             <a:fld id="{FBFE3745-A615-4932-BB55-F3CCCCF66844}" type="datetimeFigureOut">
               <a:rPr lang="en-US" smtClean="0"/>
               <a:pPr/>
-              <a:t>12/12/2011</a:t>
+              <a:t>12/13/2011</a:t>
             </a:fld>
             <a:endParaRPr lang="en-US"/>
           </a:p>
@@ -4673,7 +4673,7 @@
             <a:blip r:embed="rId2" cstate="print">
               <a:extLst>
                 <a:ext uri="{28A0092B-C50C-407E-A947-70E740481C1C}">
-                  <a14:useLocalDpi xmlns:a14="http://schemas.microsoft.com/office/drawing/2010/main" xmlns="" val="0"/>
+                  <a14:useLocalDpi xmlns="" xmlns:a14="http://schemas.microsoft.com/office/drawing/2010/main" val="0"/>
                 </a:ext>
               </a:extLst>
             </a:blip>
@@ -4759,7 +4759,7 @@
             <a:blip r:embed="rId3" cstate="print">
               <a:extLst>
                 <a:ext uri="{28A0092B-C50C-407E-A947-70E740481C1C}">
-                  <a14:useLocalDpi xmlns:a14="http://schemas.microsoft.com/office/drawing/2010/main" xmlns="" val="0"/>
+                  <a14:useLocalDpi xmlns="" xmlns:a14="http://schemas.microsoft.com/office/drawing/2010/main" val="0"/>
                 </a:ext>
               </a:extLst>
             </a:blip>
@@ -4844,7 +4844,7 @@
             <a:blip r:embed="rId4" cstate="print">
               <a:extLst>
                 <a:ext uri="{28A0092B-C50C-407E-A947-70E740481C1C}">
-                  <a14:useLocalDpi xmlns:a14="http://schemas.microsoft.com/office/drawing/2010/main" xmlns="" val="0"/>
+                  <a14:useLocalDpi xmlns="" xmlns:a14="http://schemas.microsoft.com/office/drawing/2010/main" val="0"/>
                 </a:ext>
               </a:extLst>
             </a:blip>
@@ -4929,7 +4929,7 @@
             <a:blip r:embed="rId5" cstate="print">
               <a:extLst>
                 <a:ext uri="{28A0092B-C50C-407E-A947-70E740481C1C}">
-                  <a14:useLocalDpi xmlns:a14="http://schemas.microsoft.com/office/drawing/2010/main" xmlns="" val="0"/>
+                  <a14:useLocalDpi xmlns="" xmlns:a14="http://schemas.microsoft.com/office/drawing/2010/main" val="0"/>
                 </a:ext>
               </a:extLst>
             </a:blip>
@@ -5014,7 +5014,7 @@
             <a:blip r:embed="rId6" cstate="print">
               <a:extLst>
                 <a:ext uri="{28A0092B-C50C-407E-A947-70E740481C1C}">
-                  <a14:useLocalDpi xmlns:a14="http://schemas.microsoft.com/office/drawing/2010/main" xmlns="" val="0"/>
+                  <a14:useLocalDpi xmlns="" xmlns:a14="http://schemas.microsoft.com/office/drawing/2010/main" val="0"/>
                 </a:ext>
               </a:extLst>
             </a:blip>
@@ -5100,7 +5100,7 @@
             <a:blip r:embed="rId7" cstate="print">
               <a:extLst>
                 <a:ext uri="{28A0092B-C50C-407E-A947-70E740481C1C}">
-                  <a14:useLocalDpi xmlns:a14="http://schemas.microsoft.com/office/drawing/2010/main" xmlns="" val="0"/>
+                  <a14:useLocalDpi xmlns="" xmlns:a14="http://schemas.microsoft.com/office/drawing/2010/main" val="0"/>
                 </a:ext>
               </a:extLst>
             </a:blip>
@@ -5185,7 +5185,7 @@
             <a:blip r:embed="rId8" cstate="print">
               <a:extLst>
                 <a:ext uri="{28A0092B-C50C-407E-A947-70E740481C1C}">
-                  <a14:useLocalDpi xmlns:a14="http://schemas.microsoft.com/office/drawing/2010/main" xmlns="" val="0"/>
+                  <a14:useLocalDpi xmlns="" xmlns:a14="http://schemas.microsoft.com/office/drawing/2010/main" val="0"/>
                 </a:ext>
               </a:extLst>
             </a:blip>
@@ -5271,7 +5271,7 @@
             <a:blip r:embed="rId9" cstate="print">
               <a:extLst>
                 <a:ext uri="{28A0092B-C50C-407E-A947-70E740481C1C}">
-                  <a14:useLocalDpi xmlns:a14="http://schemas.microsoft.com/office/drawing/2010/main" xmlns="" val="0"/>
+                  <a14:useLocalDpi xmlns="" xmlns:a14="http://schemas.microsoft.com/office/drawing/2010/main" val="0"/>
                 </a:ext>
               </a:extLst>
             </a:blip>
@@ -5357,7 +5357,7 @@
             <a:blip r:embed="rId10" cstate="print">
               <a:extLst>
                 <a:ext uri="{28A0092B-C50C-407E-A947-70E740481C1C}">
-                  <a14:useLocalDpi xmlns:a14="http://schemas.microsoft.com/office/drawing/2010/main" xmlns="" val="0"/>
+                  <a14:useLocalDpi xmlns="" xmlns:a14="http://schemas.microsoft.com/office/drawing/2010/main" val="0"/>
                 </a:ext>
               </a:extLst>
             </a:blip>
@@ -7083,7 +7083,7 @@
             <a:blip r:embed="rId2" cstate="print">
               <a:extLst>
                 <a:ext uri="{28A0092B-C50C-407E-A947-70E740481C1C}">
-                  <a14:useLocalDpi xmlns:a14="http://schemas.microsoft.com/office/drawing/2010/main" xmlns="" val="0"/>
+                  <a14:useLocalDpi xmlns="" xmlns:a14="http://schemas.microsoft.com/office/drawing/2010/main" val="0"/>
                 </a:ext>
               </a:extLst>
             </a:blip>
@@ -7169,7 +7169,7 @@
             <a:blip r:embed="rId3" cstate="print">
               <a:extLst>
                 <a:ext uri="{28A0092B-C50C-407E-A947-70E740481C1C}">
-                  <a14:useLocalDpi xmlns:a14="http://schemas.microsoft.com/office/drawing/2010/main" xmlns="" val="0"/>
+                  <a14:useLocalDpi xmlns="" xmlns:a14="http://schemas.microsoft.com/office/drawing/2010/main" val="0"/>
                 </a:ext>
               </a:extLst>
             </a:blip>
@@ -7254,7 +7254,7 @@
             <a:blip r:embed="rId4" cstate="print">
               <a:extLst>
                 <a:ext uri="{28A0092B-C50C-407E-A947-70E740481C1C}">
-                  <a14:useLocalDpi xmlns:a14="http://schemas.microsoft.com/office/drawing/2010/main" xmlns="" val="0"/>
+                  <a14:useLocalDpi xmlns="" xmlns:a14="http://schemas.microsoft.com/office/drawing/2010/main" val="0"/>
                 </a:ext>
               </a:extLst>
             </a:blip>
@@ -7339,7 +7339,7 @@
             <a:blip r:embed="rId5" cstate="print">
               <a:extLst>
                 <a:ext uri="{28A0092B-C50C-407E-A947-70E740481C1C}">
-                  <a14:useLocalDpi xmlns:a14="http://schemas.microsoft.com/office/drawing/2010/main" xmlns="" val="0"/>
+                  <a14:useLocalDpi xmlns="" xmlns:a14="http://schemas.microsoft.com/office/drawing/2010/main" val="0"/>
                 </a:ext>
               </a:extLst>
             </a:blip>
@@ -7424,7 +7424,7 @@
             <a:blip r:embed="rId6" cstate="print">
               <a:extLst>
                 <a:ext uri="{28A0092B-C50C-407E-A947-70E740481C1C}">
-                  <a14:useLocalDpi xmlns:a14="http://schemas.microsoft.com/office/drawing/2010/main" xmlns="" val="0"/>
+                  <a14:useLocalDpi xmlns="" xmlns:a14="http://schemas.microsoft.com/office/drawing/2010/main" val="0"/>
                 </a:ext>
               </a:extLst>
             </a:blip>
@@ -7510,7 +7510,7 @@
             <a:blip r:embed="rId7" cstate="print">
               <a:extLst>
                 <a:ext uri="{28A0092B-C50C-407E-A947-70E740481C1C}">
-                  <a14:useLocalDpi xmlns:a14="http://schemas.microsoft.com/office/drawing/2010/main" xmlns="" val="0"/>
+                  <a14:useLocalDpi xmlns="" xmlns:a14="http://schemas.microsoft.com/office/drawing/2010/main" val="0"/>
                 </a:ext>
               </a:extLst>
             </a:blip>
@@ -7595,7 +7595,7 @@
             <a:blip r:embed="rId8" cstate="print">
               <a:extLst>
                 <a:ext uri="{28A0092B-C50C-407E-A947-70E740481C1C}">
-                  <a14:useLocalDpi xmlns:a14="http://schemas.microsoft.com/office/drawing/2010/main" xmlns="" val="0"/>
+                  <a14:useLocalDpi xmlns="" xmlns:a14="http://schemas.microsoft.com/office/drawing/2010/main" val="0"/>
                 </a:ext>
               </a:extLst>
             </a:blip>
@@ -7681,7 +7681,7 @@
             <a:blip r:embed="rId9" cstate="print">
               <a:extLst>
                 <a:ext uri="{28A0092B-C50C-407E-A947-70E740481C1C}">
-                  <a14:useLocalDpi xmlns:a14="http://schemas.microsoft.com/office/drawing/2010/main" xmlns="" val="0"/>
+                  <a14:useLocalDpi xmlns="" xmlns:a14="http://schemas.microsoft.com/office/drawing/2010/main" val="0"/>
                 </a:ext>
               </a:extLst>
             </a:blip>
@@ -7767,7 +7767,7 @@
             <a:blip r:embed="rId10" cstate="print">
               <a:extLst>
                 <a:ext uri="{28A0092B-C50C-407E-A947-70E740481C1C}">
-                  <a14:useLocalDpi xmlns:a14="http://schemas.microsoft.com/office/drawing/2010/main" xmlns="" val="0"/>
+                  <a14:useLocalDpi xmlns="" xmlns:a14="http://schemas.microsoft.com/office/drawing/2010/main" val="0"/>
                 </a:ext>
               </a:extLst>
             </a:blip>
@@ -8428,11 +8428,7 @@
             </a:r>
             <a:r>
               <a:rPr lang="en-US" dirty="0" smtClean="0"/>
-              <a:t> </a:t>
-            </a:r>
-            <a:r>
-              <a:rPr lang="en-US" dirty="0" smtClean="0"/>
-              <a:t>RDBMS.</a:t>
+              <a:t> RDBMS.</a:t>
             </a:r>
           </a:p>
           <a:p>
@@ -8877,11 +8873,7 @@
           <a:p>
             <a:r>
               <a:rPr lang="en-US" dirty="0" err="1" smtClean="0"/>
-              <a:t>H</a:t>
-            </a:r>
-            <a:r>
-              <a:rPr lang="en-US" dirty="0" err="1" smtClean="0"/>
-              <a:t>ỗ</a:t>
+              <a:t>Hỗ</a:t>
             </a:r>
             <a:r>
               <a:rPr lang="en-US" dirty="0" smtClean="0"/>
@@ -8983,7 +8975,6 @@
               <a:rPr lang="en-US" dirty="0" smtClean="0"/>
               <a:t>.</a:t>
             </a:r>
-            <a:endParaRPr lang="en-US" dirty="0" smtClean="0"/>
           </a:p>
           <a:p>
             <a:r>
@@ -9074,7 +9065,6 @@
               <a:rPr lang="en-US" dirty="0" smtClean="0"/>
               <a:t> collection:</a:t>
             </a:r>
-            <a:endParaRPr lang="en-US" dirty="0" smtClean="0"/>
           </a:p>
           <a:p>
             <a:pPr lvl="1"/>
@@ -9114,7 +9104,6 @@
               <a:rPr lang="en-US" dirty="0" smtClean="0"/>
               <a:t> SQL.</a:t>
             </a:r>
-            <a:endParaRPr lang="en-US" dirty="0" smtClean="0"/>
           </a:p>
           <a:p>
             <a:pPr lvl="1"/>
@@ -9174,11 +9163,7 @@
             </a:r>
             <a:r>
               <a:rPr lang="en-US" b="1" dirty="0" smtClean="0"/>
-              <a:t> RDBMS</a:t>
-            </a:r>
-            <a:r>
-              <a:rPr lang="en-US" b="1" dirty="0" smtClean="0"/>
-              <a:t>.</a:t>
+              <a:t> RDBMS.</a:t>
             </a:r>
           </a:p>
           <a:p>
@@ -9309,7 +9294,6 @@
               <a:rPr lang="en-US" b="1" dirty="0" smtClean="0"/>
               <a:t>.</a:t>
             </a:r>
-            <a:endParaRPr lang="en-US" b="1" dirty="0" smtClean="0"/>
           </a:p>
           <a:p>
             <a:r>
@@ -9360,7 +9344,6 @@
               <a:rPr lang="en-US" dirty="0" smtClean="0"/>
               <a:t> DBMS.</a:t>
             </a:r>
-            <a:endParaRPr lang="en-US" dirty="0" smtClean="0"/>
           </a:p>
         </p:txBody>
       </p:sp>
@@ -10402,7 +10385,6 @@
               <a:rPr lang="en-US" dirty="0" smtClean="0"/>
               <a:t> RDBMS.</a:t>
             </a:r>
-            <a:endParaRPr lang="en-US" dirty="0" smtClean="0"/>
           </a:p>
           <a:p>
             <a:r>
@@ -10979,7 +10961,6 @@
               <a:rPr lang="en-US" dirty="0" smtClean="0"/>
               <a:t> ORDBMS.</a:t>
             </a:r>
-            <a:endParaRPr lang="en-US" dirty="0" smtClean="0"/>
           </a:p>
           <a:p>
             <a:r>
@@ -11114,7 +11095,6 @@
               <a:rPr lang="en-US" dirty="0" smtClean="0"/>
               <a:t> OO.</a:t>
             </a:r>
-            <a:endParaRPr lang="en-US" dirty="0" smtClean="0"/>
           </a:p>
           <a:p>
             <a:pPr>
@@ -11514,23 +11494,7 @@
           <a:p>
             <a:r>
               <a:rPr lang="en-US" dirty="0" err="1" smtClean="0"/>
-              <a:t>Cung</a:t>
-            </a:r>
-            <a:r>
-              <a:rPr lang="en-US" dirty="0" smtClean="0"/>
-              <a:t> </a:t>
-            </a:r>
-            <a:r>
-              <a:rPr lang="en-US" dirty="0" err="1" smtClean="0"/>
-              <a:t>cấp</a:t>
-            </a:r>
-            <a:r>
-              <a:rPr lang="en-US" dirty="0" smtClean="0"/>
-              <a:t> </a:t>
-            </a:r>
-            <a:r>
-              <a:rPr lang="en-US" dirty="0" err="1" smtClean="0"/>
-              <a:t>một</a:t>
+              <a:t>Là</a:t>
             </a:r>
             <a:r>
               <a:rPr lang="en-US" dirty="0" smtClean="0"/>

--- a/Thủy Tiên - 0912463/Seminar/Topic #8b - Section 8 & 9 v2.pptx
+++ b/Thủy Tiên - 0912463/Seminar/Topic #8b - Section 8 & 9 v2.pptx
@@ -4673,7 +4673,7 @@
             <a:blip r:embed="rId2" cstate="print">
               <a:extLst>
                 <a:ext uri="{28A0092B-C50C-407E-A947-70E740481C1C}">
-                  <a14:useLocalDpi xmlns="" xmlns:a14="http://schemas.microsoft.com/office/drawing/2010/main" val="0"/>
+                  <a14:useLocalDpi xmlns:a14="http://schemas.microsoft.com/office/drawing/2010/main" xmlns="" val="0"/>
                 </a:ext>
               </a:extLst>
             </a:blip>
@@ -4759,7 +4759,7 @@
             <a:blip r:embed="rId3" cstate="print">
               <a:extLst>
                 <a:ext uri="{28A0092B-C50C-407E-A947-70E740481C1C}">
-                  <a14:useLocalDpi xmlns="" xmlns:a14="http://schemas.microsoft.com/office/drawing/2010/main" val="0"/>
+                  <a14:useLocalDpi xmlns:a14="http://schemas.microsoft.com/office/drawing/2010/main" xmlns="" val="0"/>
                 </a:ext>
               </a:extLst>
             </a:blip>
@@ -4844,7 +4844,7 @@
             <a:blip r:embed="rId4" cstate="print">
               <a:extLst>
                 <a:ext uri="{28A0092B-C50C-407E-A947-70E740481C1C}">
-                  <a14:useLocalDpi xmlns="" xmlns:a14="http://schemas.microsoft.com/office/drawing/2010/main" val="0"/>
+                  <a14:useLocalDpi xmlns:a14="http://schemas.microsoft.com/office/drawing/2010/main" xmlns="" val="0"/>
                 </a:ext>
               </a:extLst>
             </a:blip>
@@ -4929,7 +4929,7 @@
             <a:blip r:embed="rId5" cstate="print">
               <a:extLst>
                 <a:ext uri="{28A0092B-C50C-407E-A947-70E740481C1C}">
-                  <a14:useLocalDpi xmlns="" xmlns:a14="http://schemas.microsoft.com/office/drawing/2010/main" val="0"/>
+                  <a14:useLocalDpi xmlns:a14="http://schemas.microsoft.com/office/drawing/2010/main" xmlns="" val="0"/>
                 </a:ext>
               </a:extLst>
             </a:blip>
@@ -5014,7 +5014,7 @@
             <a:blip r:embed="rId6" cstate="print">
               <a:extLst>
                 <a:ext uri="{28A0092B-C50C-407E-A947-70E740481C1C}">
-                  <a14:useLocalDpi xmlns="" xmlns:a14="http://schemas.microsoft.com/office/drawing/2010/main" val="0"/>
+                  <a14:useLocalDpi xmlns:a14="http://schemas.microsoft.com/office/drawing/2010/main" xmlns="" val="0"/>
                 </a:ext>
               </a:extLst>
             </a:blip>
@@ -5100,7 +5100,7 @@
             <a:blip r:embed="rId7" cstate="print">
               <a:extLst>
                 <a:ext uri="{28A0092B-C50C-407E-A947-70E740481C1C}">
-                  <a14:useLocalDpi xmlns="" xmlns:a14="http://schemas.microsoft.com/office/drawing/2010/main" val="0"/>
+                  <a14:useLocalDpi xmlns:a14="http://schemas.microsoft.com/office/drawing/2010/main" xmlns="" val="0"/>
                 </a:ext>
               </a:extLst>
             </a:blip>
@@ -5185,7 +5185,7 @@
             <a:blip r:embed="rId8" cstate="print">
               <a:extLst>
                 <a:ext uri="{28A0092B-C50C-407E-A947-70E740481C1C}">
-                  <a14:useLocalDpi xmlns="" xmlns:a14="http://schemas.microsoft.com/office/drawing/2010/main" val="0"/>
+                  <a14:useLocalDpi xmlns:a14="http://schemas.microsoft.com/office/drawing/2010/main" xmlns="" val="0"/>
                 </a:ext>
               </a:extLst>
             </a:blip>
@@ -5271,7 +5271,7 @@
             <a:blip r:embed="rId9" cstate="print">
               <a:extLst>
                 <a:ext uri="{28A0092B-C50C-407E-A947-70E740481C1C}">
-                  <a14:useLocalDpi xmlns="" xmlns:a14="http://schemas.microsoft.com/office/drawing/2010/main" val="0"/>
+                  <a14:useLocalDpi xmlns:a14="http://schemas.microsoft.com/office/drawing/2010/main" xmlns="" val="0"/>
                 </a:ext>
               </a:extLst>
             </a:blip>
@@ -5357,7 +5357,7 @@
             <a:blip r:embed="rId10" cstate="print">
               <a:extLst>
                 <a:ext uri="{28A0092B-C50C-407E-A947-70E740481C1C}">
-                  <a14:useLocalDpi xmlns="" xmlns:a14="http://schemas.microsoft.com/office/drawing/2010/main" val="0"/>
+                  <a14:useLocalDpi xmlns:a14="http://schemas.microsoft.com/office/drawing/2010/main" xmlns="" val="0"/>
                 </a:ext>
               </a:extLst>
             </a:blip>
@@ -7083,7 +7083,7 @@
             <a:blip r:embed="rId2" cstate="print">
               <a:extLst>
                 <a:ext uri="{28A0092B-C50C-407E-A947-70E740481C1C}">
-                  <a14:useLocalDpi xmlns="" xmlns:a14="http://schemas.microsoft.com/office/drawing/2010/main" val="0"/>
+                  <a14:useLocalDpi xmlns:a14="http://schemas.microsoft.com/office/drawing/2010/main" xmlns="" val="0"/>
                 </a:ext>
               </a:extLst>
             </a:blip>
@@ -7169,7 +7169,7 @@
             <a:blip r:embed="rId3" cstate="print">
               <a:extLst>
                 <a:ext uri="{28A0092B-C50C-407E-A947-70E740481C1C}">
-                  <a14:useLocalDpi xmlns="" xmlns:a14="http://schemas.microsoft.com/office/drawing/2010/main" val="0"/>
+                  <a14:useLocalDpi xmlns:a14="http://schemas.microsoft.com/office/drawing/2010/main" xmlns="" val="0"/>
                 </a:ext>
               </a:extLst>
             </a:blip>
@@ -7254,7 +7254,7 @@
             <a:blip r:embed="rId4" cstate="print">
               <a:extLst>
                 <a:ext uri="{28A0092B-C50C-407E-A947-70E740481C1C}">
-                  <a14:useLocalDpi xmlns="" xmlns:a14="http://schemas.microsoft.com/office/drawing/2010/main" val="0"/>
+                  <a14:useLocalDpi xmlns:a14="http://schemas.microsoft.com/office/drawing/2010/main" xmlns="" val="0"/>
                 </a:ext>
               </a:extLst>
             </a:blip>
@@ -7339,7 +7339,7 @@
             <a:blip r:embed="rId5" cstate="print">
               <a:extLst>
                 <a:ext uri="{28A0092B-C50C-407E-A947-70E740481C1C}">
-                  <a14:useLocalDpi xmlns="" xmlns:a14="http://schemas.microsoft.com/office/drawing/2010/main" val="0"/>
+                  <a14:useLocalDpi xmlns:a14="http://schemas.microsoft.com/office/drawing/2010/main" xmlns="" val="0"/>
                 </a:ext>
               </a:extLst>
             </a:blip>
@@ -7424,7 +7424,7 @@
             <a:blip r:embed="rId6" cstate="print">
               <a:extLst>
                 <a:ext uri="{28A0092B-C50C-407E-A947-70E740481C1C}">
-                  <a14:useLocalDpi xmlns="" xmlns:a14="http://schemas.microsoft.com/office/drawing/2010/main" val="0"/>
+                  <a14:useLocalDpi xmlns:a14="http://schemas.microsoft.com/office/drawing/2010/main" xmlns="" val="0"/>
                 </a:ext>
               </a:extLst>
             </a:blip>
@@ -7510,7 +7510,7 @@
             <a:blip r:embed="rId7" cstate="print">
               <a:extLst>
                 <a:ext uri="{28A0092B-C50C-407E-A947-70E740481C1C}">
-                  <a14:useLocalDpi xmlns="" xmlns:a14="http://schemas.microsoft.com/office/drawing/2010/main" val="0"/>
+                  <a14:useLocalDpi xmlns:a14="http://schemas.microsoft.com/office/drawing/2010/main" xmlns="" val="0"/>
                 </a:ext>
               </a:extLst>
             </a:blip>
@@ -7595,7 +7595,7 @@
             <a:blip r:embed="rId8" cstate="print">
               <a:extLst>
                 <a:ext uri="{28A0092B-C50C-407E-A947-70E740481C1C}">
-                  <a14:useLocalDpi xmlns="" xmlns:a14="http://schemas.microsoft.com/office/drawing/2010/main" val="0"/>
+                  <a14:useLocalDpi xmlns:a14="http://schemas.microsoft.com/office/drawing/2010/main" xmlns="" val="0"/>
                 </a:ext>
               </a:extLst>
             </a:blip>
@@ -7681,7 +7681,7 @@
             <a:blip r:embed="rId9" cstate="print">
               <a:extLst>
                 <a:ext uri="{28A0092B-C50C-407E-A947-70E740481C1C}">
-                  <a14:useLocalDpi xmlns="" xmlns:a14="http://schemas.microsoft.com/office/drawing/2010/main" val="0"/>
+                  <a14:useLocalDpi xmlns:a14="http://schemas.microsoft.com/office/drawing/2010/main" xmlns="" val="0"/>
                 </a:ext>
               </a:extLst>
             </a:blip>
@@ -7767,7 +7767,7 @@
             <a:blip r:embed="rId10" cstate="print">
               <a:extLst>
                 <a:ext uri="{28A0092B-C50C-407E-A947-70E740481C1C}">
-                  <a14:useLocalDpi xmlns="" xmlns:a14="http://schemas.microsoft.com/office/drawing/2010/main" val="0"/>
+                  <a14:useLocalDpi xmlns:a14="http://schemas.microsoft.com/office/drawing/2010/main" xmlns="" val="0"/>
                 </a:ext>
               </a:extLst>
             </a:blip>
@@ -8392,7 +8392,7 @@
             </a:r>
             <a:r>
               <a:rPr lang="en-US" dirty="0" err="1" smtClean="0"/>
-              <a:t>sợ</a:t>
+              <a:t>trợ</a:t>
             </a:r>
             <a:r>
               <a:rPr lang="en-US" dirty="0" smtClean="0"/>
@@ -8428,7 +8428,15 @@
             </a:r>
             <a:r>
               <a:rPr lang="en-US" dirty="0" smtClean="0"/>
-              <a:t> RDBMS.</a:t>
+              <a:t> </a:t>
+            </a:r>
+            <a:r>
+              <a:rPr lang="en-US" dirty="0" smtClean="0"/>
+              <a:t>ORDBMS</a:t>
+            </a:r>
+            <a:r>
+              <a:rPr lang="en-US" dirty="0" smtClean="0"/>
+              <a:t>.</a:t>
             </a:r>
           </a:p>
           <a:p>
@@ -10902,8 +10910,12 @@
               <a:t>hết</a:t>
             </a:r>
             <a:r>
-              <a:rPr lang="en-US" dirty="0" smtClean="0"/>
-              <a:t> OODBMSs, </a:t>
+              <a:rPr lang="en-US" smtClean="0"/>
+              <a:t> </a:t>
+            </a:r>
+            <a:r>
+              <a:rPr lang="en-US" smtClean="0"/>
+              <a:t>OODBMS, </a:t>
             </a:r>
             <a:r>
               <a:rPr lang="en-US" dirty="0" err="1" smtClean="0"/>
@@ -12870,7 +12882,7 @@
                                           </p:stCondLst>
                                         </p:cTn>
                                         <p:tgtEl>
-                                          <p:spTgt spid="16"/>
+                                          <p:spTgt spid="10"/>
                                         </p:tgtEl>
                                         <p:attrNameLst>
                                           <p:attrName>style.visibility</p:attrName>
@@ -12884,7 +12896,7 @@
                                       <p:cBhvr>
                                         <p:cTn id="17" dur="500" fill="hold"/>
                                         <p:tgtEl>
-                                          <p:spTgt spid="16"/>
+                                          <p:spTgt spid="10"/>
                                         </p:tgtEl>
                                         <p:attrNameLst>
                                           <p:attrName>ppt_w</p:attrName>
@@ -12907,7 +12919,7 @@
                                       <p:cBhvr>
                                         <p:cTn id="18" dur="500" fill="hold"/>
                                         <p:tgtEl>
-                                          <p:spTgt spid="16"/>
+                                          <p:spTgt spid="10"/>
                                         </p:tgtEl>
                                         <p:attrNameLst>
                                           <p:attrName>ppt_h</p:attrName>
@@ -12930,7 +12942,7 @@
                                       <p:cBhvr>
                                         <p:cTn id="19" dur="500" fill="hold"/>
                                         <p:tgtEl>
-                                          <p:spTgt spid="16"/>
+                                          <p:spTgt spid="10"/>
                                         </p:tgtEl>
                                         <p:attrNameLst>
                                           <p:attrName>ppt_x</p:attrName>
@@ -12953,7 +12965,7 @@
                                       <p:cBhvr>
                                         <p:cTn id="20" dur="500" fill="hold"/>
                                         <p:tgtEl>
-                                          <p:spTgt spid="16"/>
+                                          <p:spTgt spid="10"/>
                                         </p:tgtEl>
                                         <p:attrNameLst>
                                           <p:attrName>ppt_y</p:attrName>
@@ -12976,7 +12988,7 @@
                                       <p:cBhvr>
                                         <p:cTn id="21" dur="500"/>
                                         <p:tgtEl>
-                                          <p:spTgt spid="16"/>
+                                          <p:spTgt spid="10"/>
                                         </p:tgtEl>
                                       </p:cBhvr>
                                     </p:animEffect>
@@ -13015,7 +13027,7 @@
                                           </p:stCondLst>
                                         </p:cTn>
                                         <p:tgtEl>
-                                          <p:spTgt spid="10"/>
+                                          <p:spTgt spid="17"/>
                                         </p:tgtEl>
                                         <p:attrNameLst>
                                           <p:attrName>style.visibility</p:attrName>
@@ -13029,7 +13041,7 @@
                                       <p:cBhvr>
                                         <p:cTn id="26" dur="500" fill="hold"/>
                                         <p:tgtEl>
-                                          <p:spTgt spid="10"/>
+                                          <p:spTgt spid="17"/>
                                         </p:tgtEl>
                                         <p:attrNameLst>
                                           <p:attrName>ppt_w</p:attrName>
@@ -13052,7 +13064,7 @@
                                       <p:cBhvr>
                                         <p:cTn id="27" dur="500" fill="hold"/>
                                         <p:tgtEl>
-                                          <p:spTgt spid="10"/>
+                                          <p:spTgt spid="17"/>
                                         </p:tgtEl>
                                         <p:attrNameLst>
                                           <p:attrName>ppt_h</p:attrName>
@@ -13075,7 +13087,7 @@
                                       <p:cBhvr>
                                         <p:cTn id="28" dur="500" fill="hold"/>
                                         <p:tgtEl>
-                                          <p:spTgt spid="10"/>
+                                          <p:spTgt spid="17"/>
                                         </p:tgtEl>
                                         <p:attrNameLst>
                                           <p:attrName>ppt_x</p:attrName>
@@ -13098,7 +13110,7 @@
                                       <p:cBhvr>
                                         <p:cTn id="29" dur="500" fill="hold"/>
                                         <p:tgtEl>
-                                          <p:spTgt spid="10"/>
+                                          <p:spTgt spid="17"/>
                                         </p:tgtEl>
                                         <p:attrNameLst>
                                           <p:attrName>ppt_y</p:attrName>
@@ -13121,7 +13133,7 @@
                                       <p:cBhvr>
                                         <p:cTn id="30" dur="500"/>
                                         <p:tgtEl>
-                                          <p:spTgt spid="10"/>
+                                          <p:spTgt spid="17"/>
                                         </p:tgtEl>
                                       </p:cBhvr>
                                     </p:animEffect>
@@ -13160,7 +13172,7 @@
                                           </p:stCondLst>
                                         </p:cTn>
                                         <p:tgtEl>
-                                          <p:spTgt spid="17"/>
+                                          <p:spTgt spid="12"/>
                                         </p:tgtEl>
                                         <p:attrNameLst>
                                           <p:attrName>style.visibility</p:attrName>
@@ -13174,7 +13186,7 @@
                                       <p:cBhvr>
                                         <p:cTn id="35" dur="500" fill="hold"/>
                                         <p:tgtEl>
-                                          <p:spTgt spid="17"/>
+                                          <p:spTgt spid="12"/>
                                         </p:tgtEl>
                                         <p:attrNameLst>
                                           <p:attrName>ppt_w</p:attrName>
@@ -13197,7 +13209,7 @@
                                       <p:cBhvr>
                                         <p:cTn id="36" dur="500" fill="hold"/>
                                         <p:tgtEl>
-                                          <p:spTgt spid="17"/>
+                                          <p:spTgt spid="12"/>
                                         </p:tgtEl>
                                         <p:attrNameLst>
                                           <p:attrName>ppt_h</p:attrName>
@@ -13220,7 +13232,7 @@
                                       <p:cBhvr>
                                         <p:cTn id="37" dur="500" fill="hold"/>
                                         <p:tgtEl>
-                                          <p:spTgt spid="17"/>
+                                          <p:spTgt spid="12"/>
                                         </p:tgtEl>
                                         <p:attrNameLst>
                                           <p:attrName>ppt_x</p:attrName>
@@ -13243,7 +13255,7 @@
                                       <p:cBhvr>
                                         <p:cTn id="38" dur="500" fill="hold"/>
                                         <p:tgtEl>
-                                          <p:spTgt spid="17"/>
+                                          <p:spTgt spid="12"/>
                                         </p:tgtEl>
                                         <p:attrNameLst>
                                           <p:attrName>ppt_y</p:attrName>
@@ -13266,7 +13278,7 @@
                                       <p:cBhvr>
                                         <p:cTn id="39" dur="500"/>
                                         <p:tgtEl>
-                                          <p:spTgt spid="17"/>
+                                          <p:spTgt spid="12"/>
                                         </p:tgtEl>
                                       </p:cBhvr>
                                     </p:animEffect>
@@ -13292,7 +13304,7 @@
                             </p:stCondLst>
                             <p:childTnLst>
                               <p:par>
-                                <p:cTn id="42" presetID="58" presetClass="entr" presetSubtype="0" accel="100000" fill="hold" grpId="0" nodeType="clickEffect">
+                                <p:cTn id="42" presetID="18" presetClass="entr" presetSubtype="3" fill="hold" grpId="1" nodeType="clickEffect">
                                   <p:stCondLst>
                                     <p:cond delay="0"/>
                                   </p:stCondLst>
@@ -13305,7 +13317,7 @@
                                           </p:stCondLst>
                                         </p:cTn>
                                         <p:tgtEl>
-                                          <p:spTgt spid="12"/>
+                                          <p:spTgt spid="16"/>
                                         </p:tgtEl>
                                         <p:attrNameLst>
                                           <p:attrName>style.visibility</p:attrName>
@@ -13315,103 +13327,11 @@
                                         <p:strVal val="visible"/>
                                       </p:to>
                                     </p:set>
-                                    <p:anim calcmode="lin" valueType="num">
+                                    <p:animEffect transition="in" filter="strips(upRight)">
                                       <p:cBhvr>
-                                        <p:cTn id="44" dur="500" fill="hold"/>
-                                        <p:tgtEl>
-                                          <p:spTgt spid="12"/>
-                                        </p:tgtEl>
-                                        <p:attrNameLst>
-                                          <p:attrName>ppt_w</p:attrName>
-                                        </p:attrNameLst>
-                                      </p:cBhvr>
-                                      <p:tavLst>
-                                        <p:tav tm="0">
-                                          <p:val>
-                                            <p:strVal val="#ppt_w*2.5"/>
-                                          </p:val>
-                                        </p:tav>
-                                        <p:tav tm="100000">
-                                          <p:val>
-                                            <p:strVal val="#ppt_w"/>
-                                          </p:val>
-                                        </p:tav>
-                                      </p:tavLst>
-                                    </p:anim>
-                                    <p:anim calcmode="lin" valueType="num">
-                                      <p:cBhvr>
-                                        <p:cTn id="45" dur="500" fill="hold"/>
-                                        <p:tgtEl>
-                                          <p:spTgt spid="12"/>
-                                        </p:tgtEl>
-                                        <p:attrNameLst>
-                                          <p:attrName>ppt_h</p:attrName>
-                                        </p:attrNameLst>
-                                      </p:cBhvr>
-                                      <p:tavLst>
-                                        <p:tav tm="0">
-                                          <p:val>
-                                            <p:strVal val="#ppt_h*0.01"/>
-                                          </p:val>
-                                        </p:tav>
-                                        <p:tav tm="100000">
-                                          <p:val>
-                                            <p:strVal val="#ppt_h"/>
-                                          </p:val>
-                                        </p:tav>
-                                      </p:tavLst>
-                                    </p:anim>
-                                    <p:anim calcmode="lin" valueType="num">
-                                      <p:cBhvr>
-                                        <p:cTn id="46" dur="500" fill="hold"/>
-                                        <p:tgtEl>
-                                          <p:spTgt spid="12"/>
-                                        </p:tgtEl>
-                                        <p:attrNameLst>
-                                          <p:attrName>ppt_x</p:attrName>
-                                        </p:attrNameLst>
-                                      </p:cBhvr>
-                                      <p:tavLst>
-                                        <p:tav tm="0">
-                                          <p:val>
-                                            <p:strVal val="#ppt_x"/>
-                                          </p:val>
-                                        </p:tav>
-                                        <p:tav tm="100000">
-                                          <p:val>
-                                            <p:strVal val="#ppt_x"/>
-                                          </p:val>
-                                        </p:tav>
-                                      </p:tavLst>
-                                    </p:anim>
-                                    <p:anim calcmode="lin" valueType="num">
-                                      <p:cBhvr>
-                                        <p:cTn id="47" dur="500" fill="hold"/>
-                                        <p:tgtEl>
-                                          <p:spTgt spid="12"/>
-                                        </p:tgtEl>
-                                        <p:attrNameLst>
-                                          <p:attrName>ppt_y</p:attrName>
-                                        </p:attrNameLst>
-                                      </p:cBhvr>
-                                      <p:tavLst>
-                                        <p:tav tm="0">
-                                          <p:val>
-                                            <p:strVal val="#ppt_h+1"/>
-                                          </p:val>
-                                        </p:tav>
-                                        <p:tav tm="100000">
-                                          <p:val>
-                                            <p:strVal val="#ppt_y"/>
-                                          </p:val>
-                                        </p:tav>
-                                      </p:tavLst>
-                                    </p:anim>
-                                    <p:animEffect transition="in" filter="fade">
-                                      <p:cBhvr>
-                                        <p:cTn id="48" dur="500"/>
-                                        <p:tgtEl>
-                                          <p:spTgt spid="12"/>
+                                        <p:cTn id="44" dur="500"/>
+                                        <p:tgtEl>
+                                          <p:spTgt spid="16"/>
                                         </p:tgtEl>
                                       </p:cBhvr>
                                     </p:animEffect>
@@ -13425,26 +13345,26 @@
                     </p:cTn>
                   </p:par>
                   <p:par>
-                    <p:cTn id="49" fill="hold">
+                    <p:cTn id="45" fill="hold">
                       <p:stCondLst>
                         <p:cond delay="indefinite"/>
                       </p:stCondLst>
                       <p:childTnLst>
                         <p:par>
-                          <p:cTn id="50" fill="hold">
+                          <p:cTn id="46" fill="hold">
                             <p:stCondLst>
                               <p:cond delay="0"/>
                             </p:stCondLst>
                             <p:childTnLst>
                               <p:par>
-                                <p:cTn id="51" presetID="51" presetClass="entr" presetSubtype="0" fill="hold" grpId="0" nodeType="clickEffect">
+                                <p:cTn id="47" presetID="51" presetClass="entr" presetSubtype="0" fill="hold" grpId="0" nodeType="clickEffect">
                                   <p:stCondLst>
                                     <p:cond delay="0"/>
                                   </p:stCondLst>
                                   <p:childTnLst>
                                     <p:set>
                                       <p:cBhvr>
-                                        <p:cTn id="52" dur="1" fill="hold">
+                                        <p:cTn id="48" dur="1" fill="hold">
                                           <p:stCondLst>
                                             <p:cond delay="0"/>
                                           </p:stCondLst>
@@ -13462,7 +13382,7 @@
                                     </p:set>
                                     <p:animEffect transition="in" filter="fade">
                                       <p:cBhvr>
-                                        <p:cTn id="53" dur="193" decel="100000"/>
+                                        <p:cTn id="49" dur="193" decel="100000"/>
                                         <p:tgtEl>
                                           <p:spTgt spid="5"/>
                                         </p:tgtEl>
@@ -13470,7 +13390,7 @@
                                     </p:animEffect>
                                     <p:animScale>
                                       <p:cBhvr>
-                                        <p:cTn id="54" dur="193" decel="100000"/>
+                                        <p:cTn id="50" dur="193" decel="100000"/>
                                         <p:tgtEl>
                                           <p:spTgt spid="5"/>
                                         </p:tgtEl>
@@ -13480,7 +13400,7 @@
                                     </p:animScale>
                                     <p:animScale>
                                       <p:cBhvr>
-                                        <p:cTn id="55" dur="308" accel="100000" fill="hold">
+                                        <p:cTn id="51" dur="308" accel="100000" fill="hold">
                                           <p:stCondLst>
                                             <p:cond delay="193"/>
                                           </p:stCondLst>
@@ -13494,7 +13414,7 @@
                                     </p:animScale>
                                     <p:set>
                                       <p:cBhvr>
-                                        <p:cTn id="56" dur="193" fill="hold"/>
+                                        <p:cTn id="52" dur="193" fill="hold"/>
                                         <p:tgtEl>
                                           <p:spTgt spid="5"/>
                                         </p:tgtEl>
@@ -13508,7 +13428,7 @@
                                     </p:set>
                                     <p:anim from="(0.5)" to="(#ppt_x)" calcmode="lin" valueType="num">
                                       <p:cBhvr>
-                                        <p:cTn id="57" dur="308" accel="100000" fill="hold">
+                                        <p:cTn id="53" dur="308" accel="100000" fill="hold">
                                           <p:stCondLst>
                                             <p:cond delay="193"/>
                                           </p:stCondLst>
@@ -13523,7 +13443,7 @@
                                     </p:anim>
                                     <p:set>
                                       <p:cBhvr>
-                                        <p:cTn id="58" dur="193" fill="hold"/>
+                                        <p:cTn id="54" dur="193" fill="hold"/>
                                         <p:tgtEl>
                                           <p:spTgt spid="5"/>
                                         </p:tgtEl>
@@ -13537,7 +13457,7 @@
                                     </p:set>
                                     <p:anim from="(#ppt_y+0.4)" to="(#ppt_y)" calcmode="lin" valueType="num">
                                       <p:cBhvr>
-                                        <p:cTn id="59" dur="308" accel="100000" fill="hold">
+                                        <p:cTn id="55" dur="308" accel="100000" fill="hold">
                                           <p:stCondLst>
                                             <p:cond delay="193"/>
                                           </p:stCondLst>
@@ -13560,26 +13480,26 @@
                     </p:cTn>
                   </p:par>
                   <p:par>
-                    <p:cTn id="60" fill="hold">
+                    <p:cTn id="56" fill="hold">
                       <p:stCondLst>
                         <p:cond delay="indefinite"/>
                       </p:stCondLst>
                       <p:childTnLst>
                         <p:par>
-                          <p:cTn id="61" fill="hold">
+                          <p:cTn id="57" fill="hold">
                             <p:stCondLst>
                               <p:cond delay="0"/>
                             </p:stCondLst>
                             <p:childTnLst>
                               <p:par>
-                                <p:cTn id="62" presetID="3" presetClass="entr" presetSubtype="10" fill="hold" grpId="0" nodeType="clickEffect">
+                                <p:cTn id="58" presetID="3" presetClass="entr" presetSubtype="10" fill="hold" grpId="0" nodeType="clickEffect">
                                   <p:stCondLst>
                                     <p:cond delay="0"/>
                                   </p:stCondLst>
                                   <p:childTnLst>
                                     <p:set>
                                       <p:cBhvr>
-                                        <p:cTn id="63" dur="1" fill="hold">
+                                        <p:cTn id="59" dur="1" fill="hold">
                                           <p:stCondLst>
                                             <p:cond delay="0"/>
                                           </p:stCondLst>
@@ -13597,7 +13517,7 @@
                                     </p:set>
                                     <p:animEffect transition="in" filter="blinds(horizontal)">
                                       <p:cBhvr>
-                                        <p:cTn id="64" dur="500"/>
+                                        <p:cTn id="60" dur="500"/>
                                         <p:tgtEl>
                                           <p:spTgt spid="9"/>
                                         </p:tgtEl>
@@ -13613,26 +13533,26 @@
                     </p:cTn>
                   </p:par>
                   <p:par>
-                    <p:cTn id="65" fill="hold">
+                    <p:cTn id="61" fill="hold">
                       <p:stCondLst>
                         <p:cond delay="indefinite"/>
                       </p:stCondLst>
                       <p:childTnLst>
                         <p:par>
-                          <p:cTn id="66" fill="hold">
+                          <p:cTn id="62" fill="hold">
                             <p:stCondLst>
                               <p:cond delay="0"/>
                             </p:stCondLst>
                             <p:childTnLst>
                               <p:par>
-                                <p:cTn id="67" presetID="29" presetClass="entr" presetSubtype="0" fill="hold" grpId="0" nodeType="clickEffect">
+                                <p:cTn id="63" presetID="29" presetClass="entr" presetSubtype="0" fill="hold" grpId="0" nodeType="clickEffect">
                                   <p:stCondLst>
                                     <p:cond delay="0"/>
                                   </p:stCondLst>
                                   <p:childTnLst>
                                     <p:set>
                                       <p:cBhvr>
-                                        <p:cTn id="68" dur="1" fill="hold">
+                                        <p:cTn id="64" dur="1" fill="hold">
                                           <p:stCondLst>
                                             <p:cond delay="0"/>
                                           </p:stCondLst>
@@ -13650,7 +13570,7 @@
                                     </p:set>
                                     <p:anim calcmode="lin" valueType="num">
                                       <p:cBhvr>
-                                        <p:cTn id="69" dur="1000" fill="hold"/>
+                                        <p:cTn id="65" dur="1000" fill="hold"/>
                                         <p:tgtEl>
                                           <p:spTgt spid="18"/>
                                         </p:tgtEl>
@@ -13673,7 +13593,7 @@
                                     </p:anim>
                                     <p:anim calcmode="lin" valueType="num">
                                       <p:cBhvr>
-                                        <p:cTn id="70" dur="1000" fill="hold"/>
+                                        <p:cTn id="66" dur="1000" fill="hold"/>
                                         <p:tgtEl>
                                           <p:spTgt spid="18"/>
                                         </p:tgtEl>
@@ -13696,7 +13616,7 @@
                                     </p:anim>
                                     <p:animEffect transition="in" filter="wipe(right)" prLst="gradientSize: 0.1">
                                       <p:cBhvr>
-                                        <p:cTn id="71" dur="1000"/>
+                                        <p:cTn id="67" dur="1000"/>
                                         <p:tgtEl>
                                           <p:spTgt spid="18"/>
                                         </p:tgtEl>
@@ -13712,26 +13632,26 @@
                     </p:cTn>
                   </p:par>
                   <p:par>
-                    <p:cTn id="72" fill="hold">
+                    <p:cTn id="68" fill="hold">
                       <p:stCondLst>
                         <p:cond delay="indefinite"/>
                       </p:stCondLst>
                       <p:childTnLst>
                         <p:par>
-                          <p:cTn id="73" fill="hold">
+                          <p:cTn id="69" fill="hold">
                             <p:stCondLst>
                               <p:cond delay="0"/>
                             </p:stCondLst>
                             <p:childTnLst>
                               <p:par>
-                                <p:cTn id="74" presetID="3" presetClass="entr" presetSubtype="10" fill="hold" grpId="0" nodeType="clickEffect">
+                                <p:cTn id="70" presetID="3" presetClass="entr" presetSubtype="10" fill="hold" grpId="0" nodeType="clickEffect">
                                   <p:stCondLst>
                                     <p:cond delay="0"/>
                                   </p:stCondLst>
                                   <p:childTnLst>
                                     <p:set>
                                       <p:cBhvr>
-                                        <p:cTn id="75" dur="1" fill="hold">
+                                        <p:cTn id="71" dur="1" fill="hold">
                                           <p:stCondLst>
                                             <p:cond delay="0"/>
                                           </p:stCondLst>
@@ -13749,7 +13669,7 @@
                                     </p:set>
                                     <p:animEffect transition="in" filter="blinds(horizontal)">
                                       <p:cBhvr>
-                                        <p:cTn id="76" dur="500"/>
+                                        <p:cTn id="72" dur="500"/>
                                         <p:tgtEl>
                                           <p:spTgt spid="19"/>
                                         </p:tgtEl>
@@ -13792,7 +13712,7 @@
       <p:bldP spid="9" grpId="0" animBg="1"/>
       <p:bldP spid="10" grpId="0" animBg="1"/>
       <p:bldP spid="12" grpId="0" animBg="1"/>
-      <p:bldP spid="16" grpId="0" animBg="1"/>
+      <p:bldP spid="16" grpId="1" animBg="1"/>
       <p:bldP spid="17" grpId="0" animBg="1"/>
       <p:bldP spid="18" grpId="0" animBg="1"/>
       <p:bldP spid="19" grpId="0"/>

--- a/Thủy Tiên - 0912463/Seminar/Topic #8b - Section 8 & 9 v2.pptx
+++ b/Thủy Tiên - 0912463/Seminar/Topic #8b - Section 8 & 9 v2.pptx
@@ -733,6 +733,177 @@
 </p:notes>
 </file>
 
+<file path=ppt/notesSlides/notesSlide10.xml><?xml version="1.0" encoding="utf-8"?>
+<p:notes xmlns:a="http://schemas.openxmlformats.org/drawingml/2006/main" xmlns:r="http://schemas.openxmlformats.org/officeDocument/2006/relationships" xmlns:p="http://schemas.openxmlformats.org/presentationml/2006/main">
+  <p:cSld>
+    <p:spTree>
+      <p:nvGrpSpPr>
+        <p:cNvPr id="1" name=""/>
+        <p:cNvGrpSpPr/>
+        <p:nvPr/>
+      </p:nvGrpSpPr>
+      <p:grpSpPr>
+        <a:xfrm>
+          <a:off x="0" y="0"/>
+          <a:ext cx="0" cy="0"/>
+          <a:chOff x="0" y="0"/>
+          <a:chExt cx="0" cy="0"/>
+        </a:xfrm>
+      </p:grpSpPr>
+      <p:sp>
+        <p:nvSpPr>
+          <p:cNvPr id="2" name="Slide Image Placeholder 1"/>
+          <p:cNvSpPr>
+            <a:spLocks noGrp="1" noRot="1" noChangeAspect="1"/>
+          </p:cNvSpPr>
+          <p:nvPr>
+            <p:ph type="sldImg"/>
+          </p:nvPr>
+        </p:nvSpPr>
+        <p:spPr/>
+      </p:sp>
+      <p:sp>
+        <p:nvSpPr>
+          <p:cNvPr id="3" name="Notes Placeholder 2"/>
+          <p:cNvSpPr>
+            <a:spLocks noGrp="1"/>
+          </p:cNvSpPr>
+          <p:nvPr>
+            <p:ph type="body" idx="1"/>
+          </p:nvPr>
+        </p:nvSpPr>
+        <p:spPr/>
+        <p:txBody>
+          <a:bodyPr>
+            <a:normAutofit/>
+          </a:bodyPr>
+          <a:lstStyle/>
+          <a:p>
+            <a:r>
+              <a:rPr lang="en-US" dirty="0" smtClean="0"/>
+              <a:t>The </a:t>
+            </a:r>
+            <a:r>
+              <a:rPr lang="en-US" b="1" dirty="0" smtClean="0"/>
+              <a:t>query facilities of OQL</a:t>
+            </a:r>
+            <a:r>
+              <a:rPr lang="en-US" dirty="0" smtClean="0"/>
+              <a:t> are </a:t>
+            </a:r>
+            <a:r>
+              <a:rPr lang="en-US" b="1" dirty="0" smtClean="0"/>
+              <a:t>not support efficiently in most OODBMS</a:t>
+            </a:r>
+            <a:r>
+              <a:rPr lang="en-US" dirty="0" smtClean="0"/>
+              <a:t>, whereas they are </a:t>
+            </a:r>
+            <a:r>
+              <a:rPr lang="en-US" b="1" dirty="0" smtClean="0"/>
+              <a:t>the centerpiece of an ORDBMS</a:t>
+            </a:r>
+            <a:r>
+              <a:rPr lang="en-US" dirty="0" smtClean="0"/>
+              <a:t>.</a:t>
+            </a:r>
+          </a:p>
+          <a:p>
+            <a:r>
+              <a:rPr lang="en-US" dirty="0" smtClean="0"/>
+              <a:t>OODBMS have been optimized to directly </a:t>
+            </a:r>
+            <a:r>
+              <a:rPr lang="en-US" b="1" dirty="0" smtClean="0"/>
+              <a:t>support object oriented applications </a:t>
+            </a:r>
+            <a:r>
+              <a:rPr lang="en-US" dirty="0" smtClean="0"/>
+              <a:t>and </a:t>
+            </a:r>
+            <a:r>
+              <a:rPr lang="en-US" b="1" dirty="0" smtClean="0"/>
+              <a:t>specific OO languages</a:t>
+            </a:r>
+            <a:r>
+              <a:rPr lang="en-US" dirty="0" smtClean="0"/>
+              <a:t>.</a:t>
+            </a:r>
+          </a:p>
+          <a:p>
+            <a:pPr>
+              <a:buNone/>
+            </a:pPr>
+            <a:r>
+              <a:rPr lang="en-US" dirty="0" smtClean="0"/>
+              <a:t>ORDBMSs </a:t>
+            </a:r>
+            <a:r>
+              <a:rPr lang="en-US" b="1" dirty="0" smtClean="0"/>
+              <a:t>are supported</a:t>
+            </a:r>
+            <a:r>
+              <a:rPr lang="en-US" dirty="0" smtClean="0"/>
+              <a:t> by </a:t>
+            </a:r>
+            <a:r>
+              <a:rPr lang="en-US" b="1" dirty="0" smtClean="0"/>
+              <a:t>most</a:t>
+            </a:r>
+            <a:r>
+              <a:rPr lang="en-US" dirty="0" smtClean="0"/>
+              <a:t> of the ‘major players’ in the </a:t>
+            </a:r>
+            <a:r>
+              <a:rPr lang="en-US" b="1" dirty="0" smtClean="0"/>
+              <a:t>DBMS market place</a:t>
+            </a:r>
+            <a:r>
+              <a:rPr lang="en-US" dirty="0" smtClean="0"/>
+              <a:t>.</a:t>
+            </a:r>
+          </a:p>
+          <a:p>
+            <a:endParaRPr lang="en-US" dirty="0" smtClean="0"/>
+          </a:p>
+          <a:p>
+            <a:pPr algn="l"/>
+            <a:endParaRPr lang="en-US" dirty="0"/>
+          </a:p>
+        </p:txBody>
+      </p:sp>
+      <p:sp>
+        <p:nvSpPr>
+          <p:cNvPr id="4" name="Slide Number Placeholder 3"/>
+          <p:cNvSpPr>
+            <a:spLocks noGrp="1"/>
+          </p:cNvSpPr>
+          <p:nvPr>
+            <p:ph type="sldNum" sz="quarter" idx="10"/>
+          </p:nvPr>
+        </p:nvSpPr>
+        <p:spPr/>
+        <p:txBody>
+          <a:bodyPr/>
+          <a:lstStyle/>
+          <a:p>
+            <a:fld id="{05274C04-BFC4-4BD2-A6AE-08075F7AFA61}" type="slidenum">
+              <a:rPr lang="en-US" smtClean="0"/>
+              <a:pPr/>
+              <a:t>21</a:t>
+            </a:fld>
+            <a:endParaRPr lang="en-US"/>
+          </a:p>
+        </p:txBody>
+      </p:sp>
+    </p:spTree>
+  </p:cSld>
+  <p:clrMapOvr>
+    <a:masterClrMapping/>
+  </p:clrMapOvr>
+</p:notes>
+</file>
+
 <file path=ppt/notesSlides/notesSlide2.xml><?xml version="1.0" encoding="utf-8"?>
 <p:notes xmlns:a="http://schemas.openxmlformats.org/drawingml/2006/main" xmlns:r="http://schemas.openxmlformats.org/officeDocument/2006/relationships" xmlns:p="http://schemas.openxmlformats.org/presentationml/2006/main">
   <p:cSld>
@@ -1107,56 +1278,6 @@
           </a:bodyPr>
           <a:lstStyle/>
           <a:p>
-            <a:r>
-              <a:rPr lang="en-US" dirty="0" smtClean="0"/>
-              <a:t>RDBMS </a:t>
-            </a:r>
-            <a:r>
-              <a:rPr lang="en-US" b="1" dirty="0" smtClean="0"/>
-              <a:t>does not support the extensions</a:t>
-            </a:r>
-            <a:r>
-              <a:rPr lang="en-US" dirty="0" smtClean="0"/>
-              <a:t> that ORDBMS supports.</a:t>
-            </a:r>
-          </a:p>
-          <a:p>
-            <a:r>
-              <a:rPr lang="en-US" dirty="0" smtClean="0"/>
-              <a:t>Relational system  is </a:t>
-            </a:r>
-            <a:r>
-              <a:rPr lang="en-US" b="1" dirty="0" smtClean="0"/>
-              <a:t>easier to use </a:t>
-            </a:r>
-            <a:r>
-              <a:rPr lang="en-US" dirty="0" smtClean="0"/>
-              <a:t>because there are </a:t>
-            </a:r>
-            <a:r>
-              <a:rPr lang="en-US" b="1" dirty="0" smtClean="0"/>
-              <a:t>fewer features </a:t>
-            </a:r>
-            <a:r>
-              <a:rPr lang="en-US" dirty="0" smtClean="0"/>
-              <a:t>to master.</a:t>
-            </a:r>
-          </a:p>
-          <a:p>
-            <a:r>
-              <a:rPr lang="en-US" dirty="0" smtClean="0"/>
-              <a:t>RDBMS is </a:t>
-            </a:r>
-            <a:r>
-              <a:rPr lang="en-US" b="1" dirty="0" smtClean="0"/>
-              <a:t>less versatile </a:t>
-            </a:r>
-            <a:r>
-              <a:rPr lang="en-US" dirty="0" smtClean="0"/>
-              <a:t>than an ORDBMS.</a:t>
-            </a:r>
-          </a:p>
-          <a:p>
             <a:endParaRPr lang="en-US" dirty="0"/>
           </a:p>
         </p:txBody>
@@ -1179,7 +1300,7 @@
             <a:fld id="{05274C04-BFC4-4BD2-A6AE-08075F7AFA61}" type="slidenum">
               <a:rPr lang="en-US" smtClean="0"/>
               <a:pPr/>
-              <a:t>18</a:t>
+              <a:t>13</a:t>
             </a:fld>
             <a:endParaRPr lang="en-US"/>
           </a:p>
@@ -1241,100 +1362,51 @@
           <a:p>
             <a:r>
               <a:rPr lang="en-US" dirty="0" smtClean="0"/>
-              <a:t>Both </a:t>
+              <a:t>RDBMS </a:t>
             </a:r>
             <a:r>
               <a:rPr lang="en-US" b="1" dirty="0" smtClean="0"/>
-              <a:t>support user-defined ADTs, </a:t>
-            </a:r>
-            <a:r>
-              <a:rPr lang="en-US" b="1" dirty="0" err="1" smtClean="0"/>
-              <a:t>structired</a:t>
+              <a:t>does not support the extensions</a:t>
+            </a:r>
+            <a:r>
+              <a:rPr lang="en-US" dirty="0" smtClean="0"/>
+              <a:t> that ORDBMS supports.</a:t>
+            </a:r>
+          </a:p>
+          <a:p>
+            <a:r>
+              <a:rPr lang="en-US" dirty="0" smtClean="0"/>
+              <a:t>Relational system  is </a:t>
             </a:r>
             <a:r>
               <a:rPr lang="en-US" b="1" dirty="0" smtClean="0"/>
-              <a:t> types, object type and inheritance</a:t>
-            </a:r>
-            <a:r>
-              <a:rPr lang="en-US" dirty="0" smtClean="0"/>
-              <a:t>.</a:t>
-            </a:r>
-          </a:p>
-          <a:p>
-            <a:r>
-              <a:rPr lang="en-US" dirty="0" smtClean="0"/>
-              <a:t>Both </a:t>
+              <a:t>easier to use </a:t>
+            </a:r>
+            <a:r>
+              <a:rPr lang="en-US" dirty="0" smtClean="0"/>
+              <a:t>because there are </a:t>
             </a:r>
             <a:r>
               <a:rPr lang="en-US" b="1" dirty="0" smtClean="0"/>
-              <a:t>support a query language </a:t>
-            </a:r>
-            <a:r>
-              <a:rPr lang="en-US" dirty="0" smtClean="0"/>
-              <a:t>for manipulating collection type:</a:t>
-            </a:r>
-          </a:p>
-          <a:p>
-            <a:pPr lvl="1"/>
-            <a:r>
-              <a:rPr lang="en-US" dirty="0" smtClean="0"/>
-              <a:t>ORDBMS: extended form of SQL</a:t>
-            </a:r>
-          </a:p>
-          <a:p>
-            <a:pPr lvl="1"/>
-            <a:r>
-              <a:rPr lang="en-US" dirty="0" smtClean="0"/>
-              <a:t>OODBMS: ODL/OQL.</a:t>
-            </a:r>
-          </a:p>
-          <a:p>
+              <a:t>fewer features </a:t>
+            </a:r>
+            <a:r>
+              <a:rPr lang="en-US" dirty="0" smtClean="0"/>
+              <a:t>to master.</a:t>
+            </a:r>
+          </a:p>
+          <a:p>
+            <a:r>
+              <a:rPr lang="en-US" dirty="0" smtClean="0"/>
+              <a:t>RDBMS is </a:t>
+            </a:r>
             <a:r>
               <a:rPr lang="en-US" b="1" dirty="0" smtClean="0"/>
-              <a:t>ORDBMS add OODBMS features to an RDBMS.</a:t>
-            </a:r>
-          </a:p>
-          <a:p>
-            <a:pPr>
-              <a:buNone/>
-            </a:pPr>
-            <a:r>
-              <a:rPr lang="en-US" b="1" dirty="0" smtClean="0"/>
-              <a:t>OODBMS</a:t>
-            </a:r>
-            <a:r>
-              <a:rPr lang="en-US" dirty="0" smtClean="0"/>
-              <a:t> have </a:t>
-            </a:r>
-            <a:r>
-              <a:rPr lang="en-US" b="1" dirty="0" smtClean="0"/>
-              <a:t>developed</a:t>
-            </a:r>
-            <a:r>
-              <a:rPr lang="en-US" dirty="0" smtClean="0"/>
-              <a:t> query language </a:t>
-            </a:r>
-            <a:r>
-              <a:rPr lang="en-US" b="1" dirty="0" smtClean="0"/>
-              <a:t>based on relational query language</a:t>
-            </a:r>
-            <a:r>
-              <a:rPr lang="en-US" dirty="0" smtClean="0"/>
-              <a:t>.</a:t>
-            </a:r>
-          </a:p>
-          <a:p>
-            <a:r>
-              <a:rPr lang="en-US" dirty="0" smtClean="0"/>
-              <a:t>Both </a:t>
-            </a:r>
-            <a:r>
-              <a:rPr lang="en-US" b="1" dirty="0" smtClean="0"/>
-              <a:t>provide DBMS functionality</a:t>
-            </a:r>
-            <a:r>
-              <a:rPr lang="en-US" dirty="0" smtClean="0"/>
-              <a:t>.</a:t>
+              <a:t>less versatile </a:t>
+            </a:r>
+            <a:r>
+              <a:rPr lang="en-US" dirty="0" smtClean="0"/>
+              <a:t>than an ORDBMS.</a:t>
             </a:r>
           </a:p>
           <a:p>
@@ -1360,7 +1432,7 @@
             <a:fld id="{05274C04-BFC4-4BD2-A6AE-08075F7AFA61}" type="slidenum">
               <a:rPr lang="en-US" smtClean="0"/>
               <a:pPr/>
-              <a:t>19</a:t>
+              <a:t>18</a:t>
             </a:fld>
             <a:endParaRPr lang="en-US"/>
           </a:p>
@@ -1421,70 +1493,101 @@
           <a:lstStyle/>
           <a:p>
             <a:r>
+              <a:rPr lang="en-US" dirty="0" smtClean="0"/>
+              <a:t>Both </a:t>
+            </a:r>
+            <a:r>
+              <a:rPr lang="en-US" b="1" dirty="0" smtClean="0"/>
+              <a:t>support user-defined ADTs, </a:t>
+            </a:r>
+            <a:r>
+              <a:rPr lang="en-US" b="1" dirty="0" err="1" smtClean="0"/>
+              <a:t>structired</a:t>
+            </a:r>
+            <a:r>
+              <a:rPr lang="en-US" b="1" dirty="0" smtClean="0"/>
+              <a:t> types, object type and inheritance</a:t>
+            </a:r>
+            <a:r>
+              <a:rPr lang="en-US" dirty="0" smtClean="0"/>
+              <a:t>.</a:t>
+            </a:r>
+          </a:p>
+          <a:p>
+            <a:r>
+              <a:rPr lang="en-US" dirty="0" smtClean="0"/>
+              <a:t>Both </a:t>
+            </a:r>
+            <a:r>
+              <a:rPr lang="en-US" b="1" dirty="0" smtClean="0"/>
+              <a:t>support a query language </a:t>
+            </a:r>
+            <a:r>
+              <a:rPr lang="en-US" dirty="0" smtClean="0"/>
+              <a:t>for manipulating collection type:</a:t>
+            </a:r>
+          </a:p>
+          <a:p>
+            <a:pPr lvl="1"/>
+            <a:r>
+              <a:rPr lang="en-US" dirty="0" smtClean="0"/>
+              <a:t>ORDBMS: extended form of SQL</a:t>
+            </a:r>
+          </a:p>
+          <a:p>
+            <a:pPr lvl="1"/>
+            <a:r>
+              <a:rPr lang="en-US" dirty="0" smtClean="0"/>
+              <a:t>OODBMS: ODL/OQL.</a:t>
+            </a:r>
+          </a:p>
+          <a:p>
+            <a:r>
+              <a:rPr lang="en-US" b="1" dirty="0" smtClean="0"/>
+              <a:t>ORDBMS add OODBMS features to an RDBMS.</a:t>
+            </a:r>
+          </a:p>
+          <a:p>
+            <a:pPr>
+              <a:buNone/>
+            </a:pPr>
+            <a:r>
               <a:rPr lang="en-US" b="1" dirty="0" smtClean="0"/>
               <a:t>OODBMS</a:t>
             </a:r>
             <a:r>
               <a:rPr lang="en-US" dirty="0" smtClean="0"/>
-              <a:t> try to </a:t>
+              <a:t> have </a:t>
             </a:r>
             <a:r>
               <a:rPr lang="en-US" b="1" dirty="0" smtClean="0"/>
-              <a:t>add DBMS functionality</a:t>
-            </a:r>
-            <a:r>
-              <a:rPr lang="en-US" dirty="0" smtClean="0"/>
-              <a:t> to a programming language, whereas </a:t>
+              <a:t>developed</a:t>
+            </a:r>
+            <a:r>
+              <a:rPr lang="en-US" dirty="0" smtClean="0"/>
+              <a:t> query language </a:t>
             </a:r>
             <a:r>
               <a:rPr lang="en-US" b="1" dirty="0" smtClean="0"/>
-              <a:t>ORDBMS</a:t>
-            </a:r>
-            <a:r>
-              <a:rPr lang="en-US" dirty="0" smtClean="0"/>
-              <a:t> try to </a:t>
+              <a:t>based on relational query language</a:t>
+            </a:r>
+            <a:r>
+              <a:rPr lang="en-US" dirty="0" smtClean="0"/>
+              <a:t>.</a:t>
+            </a:r>
+          </a:p>
+          <a:p>
+            <a:r>
+              <a:rPr lang="en-US" dirty="0" smtClean="0"/>
+              <a:t>Both </a:t>
             </a:r>
             <a:r>
               <a:rPr lang="en-US" b="1" dirty="0" smtClean="0"/>
-              <a:t>add richer data type </a:t>
-            </a:r>
-            <a:r>
-              <a:rPr lang="en-US" dirty="0" err="1" smtClean="0"/>
-              <a:t>ro</a:t>
-            </a:r>
-            <a:r>
-              <a:rPr lang="en-US" dirty="0" smtClean="0"/>
-              <a:t> a relational DBMS.</a:t>
-            </a:r>
-          </a:p>
-          <a:p>
-            <a:r>
-              <a:rPr lang="en-US" b="1" dirty="0" smtClean="0"/>
-              <a:t>OODBMS</a:t>
-            </a:r>
-            <a:r>
-              <a:rPr lang="en-US" dirty="0" smtClean="0"/>
-              <a:t> aim to </a:t>
-            </a:r>
-            <a:r>
-              <a:rPr lang="en-US" b="1" dirty="0" smtClean="0"/>
-              <a:t>achieve </a:t>
-            </a:r>
-            <a:r>
-              <a:rPr lang="en-US" dirty="0" smtClean="0"/>
-              <a:t>seamless</a:t>
-            </a:r>
-            <a:r>
-              <a:rPr lang="en-US" b="1" dirty="0" smtClean="0"/>
-              <a:t> integration with a programming language</a:t>
-            </a:r>
-            <a:r>
-              <a:rPr lang="en-US" dirty="0" smtClean="0"/>
-              <a:t>, whereas it’s </a:t>
-            </a:r>
-            <a:r>
-              <a:rPr lang="en-US" b="1" dirty="0" smtClean="0"/>
-              <a:t>not an important goal for an ORDBMS.</a:t>
+              <a:t>provide DBMS functionality</a:t>
+            </a:r>
+            <a:r>
+              <a:rPr lang="en-US" dirty="0" smtClean="0"/>
+              <a:t>.</a:t>
             </a:r>
           </a:p>
           <a:p>
@@ -1510,7 +1613,7 @@
             <a:fld id="{05274C04-BFC4-4BD2-A6AE-08075F7AFA61}" type="slidenum">
               <a:rPr lang="en-US" smtClean="0"/>
               <a:pPr/>
-              <a:t>20</a:t>
+              <a:t>19</a:t>
             </a:fld>
             <a:endParaRPr lang="en-US"/>
           </a:p>
@@ -1571,94 +1674,73 @@
           <a:lstStyle/>
           <a:p>
             <a:r>
-              <a:rPr lang="en-US" dirty="0" smtClean="0"/>
-              <a:t>The </a:t>
-            </a:r>
-            <a:r>
               <a:rPr lang="en-US" b="1" dirty="0" smtClean="0"/>
-              <a:t>query facilities of OQL</a:t>
-            </a:r>
-            <a:r>
-              <a:rPr lang="en-US" dirty="0" smtClean="0"/>
-              <a:t> are </a:t>
+              <a:t>OODBMS</a:t>
+            </a:r>
+            <a:r>
+              <a:rPr lang="en-US" dirty="0" smtClean="0"/>
+              <a:t> try to </a:t>
             </a:r>
             <a:r>
               <a:rPr lang="en-US" b="1" dirty="0" smtClean="0"/>
-              <a:t>not support efficiently in most OODBMS</a:t>
-            </a:r>
-            <a:r>
-              <a:rPr lang="en-US" dirty="0" smtClean="0"/>
-              <a:t>, whereas they are </a:t>
+              <a:t>add DBMS functionality</a:t>
+            </a:r>
+            <a:r>
+              <a:rPr lang="en-US" dirty="0" smtClean="0"/>
+              <a:t> to a programming language, whereas </a:t>
             </a:r>
             <a:r>
               <a:rPr lang="en-US" b="1" dirty="0" smtClean="0"/>
-              <a:t>the centerpiece of an ORDBMS</a:t>
-            </a:r>
-            <a:r>
-              <a:rPr lang="en-US" dirty="0" smtClean="0"/>
-              <a:t>.</a:t>
-            </a:r>
-          </a:p>
-          <a:p>
-            <a:r>
-              <a:rPr lang="en-US" dirty="0" smtClean="0"/>
-              <a:t>OODBMS have been optimized to directly </a:t>
+              <a:t>ORDBMS</a:t>
+            </a:r>
+            <a:r>
+              <a:rPr lang="en-US" dirty="0" smtClean="0"/>
+              <a:t> try to </a:t>
             </a:r>
             <a:r>
               <a:rPr lang="en-US" b="1" dirty="0" smtClean="0"/>
-              <a:t>support object oriented applications </a:t>
-            </a:r>
-            <a:r>
-              <a:rPr lang="en-US" dirty="0" smtClean="0"/>
-              <a:t>and </a:t>
-            </a:r>
+              <a:t>add richer data type </a:t>
+            </a:r>
+            <a:r>
+              <a:rPr lang="en-US" dirty="0" err="1" smtClean="0"/>
+              <a:t>ro</a:t>
+            </a:r>
+            <a:r>
+              <a:rPr lang="en-US" dirty="0" smtClean="0"/>
+              <a:t> a relational DBMS.</a:t>
+            </a:r>
+          </a:p>
+          <a:p>
             <a:r>
               <a:rPr lang="en-US" b="1" dirty="0" smtClean="0"/>
-              <a:t>specific OO languages</a:t>
-            </a:r>
-            <a:r>
-              <a:rPr lang="en-US" dirty="0" smtClean="0"/>
-              <a:t>.</a:t>
-            </a:r>
-          </a:p>
-          <a:p>
-            <a:pPr>
-              <a:buNone/>
-            </a:pPr>
-            <a:r>
-              <a:rPr lang="en-US" dirty="0" smtClean="0"/>
-              <a:t>ORDBMSs </a:t>
+              <a:t>OODBMS</a:t>
+            </a:r>
+            <a:r>
+              <a:rPr lang="en-US" dirty="0" smtClean="0"/>
+              <a:t> aim to </a:t>
             </a:r>
             <a:r>
               <a:rPr lang="en-US" b="1" dirty="0" smtClean="0"/>
-              <a:t>are supported</a:t>
-            </a:r>
-            <a:r>
-              <a:rPr lang="en-US" dirty="0" smtClean="0"/>
-              <a:t> by </a:t>
+              <a:t>achieve </a:t>
+            </a:r>
+            <a:r>
+              <a:rPr lang="en-US" dirty="0" smtClean="0"/>
+              <a:t>seamless</a:t>
             </a:r>
             <a:r>
               <a:rPr lang="en-US" b="1" dirty="0" smtClean="0"/>
-              <a:t>most</a:t>
-            </a:r>
-            <a:r>
-              <a:rPr lang="en-US" dirty="0" smtClean="0"/>
-              <a:t> of the ‘major players’ in the </a:t>
+              <a:t> integration with a programming language</a:t>
+            </a:r>
+            <a:r>
+              <a:rPr lang="en-US" dirty="0" smtClean="0"/>
+              <a:t>, whereas it’s </a:t>
             </a:r>
             <a:r>
               <a:rPr lang="en-US" b="1" dirty="0" smtClean="0"/>
-              <a:t>DBMS market place</a:t>
-            </a:r>
-            <a:r>
-              <a:rPr lang="en-US" dirty="0" smtClean="0"/>
-              <a:t>.</a:t>
-            </a:r>
-          </a:p>
-          <a:p>
-            <a:endParaRPr lang="en-US" dirty="0" smtClean="0"/>
-          </a:p>
-          <a:p>
-            <a:pPr algn="l"/>
+              <a:t>not an important goal for an ORDBMS.</a:t>
+            </a:r>
+          </a:p>
+          <a:p>
             <a:endParaRPr lang="en-US" dirty="0"/>
           </a:p>
         </p:txBody>
@@ -1681,7 +1763,7 @@
             <a:fld id="{05274C04-BFC4-4BD2-A6AE-08075F7AFA61}" type="slidenum">
               <a:rPr lang="en-US" smtClean="0"/>
               <a:pPr/>
-              <a:t>21</a:t>
+              <a:t>20</a:t>
             </a:fld>
             <a:endParaRPr lang="en-US"/>
           </a:p>
@@ -10910,11 +10992,11 @@
               <a:t>hết</a:t>
             </a:r>
             <a:r>
-              <a:rPr lang="en-US" smtClean="0"/>
-              <a:t> </a:t>
-            </a:r>
-            <a:r>
-              <a:rPr lang="en-US" smtClean="0"/>
+              <a:rPr lang="en-US" dirty="0" smtClean="0"/>
+              <a:t> </a:t>
+            </a:r>
+            <a:r>
+              <a:rPr lang="en-US" dirty="0" smtClean="0"/>
               <a:t>OODBMS, </a:t>
             </a:r>
             <a:r>

--- a/Thủy Tiên - 0912463/Seminar/Topic #8b - Section 8 & 9 v2.pptx
+++ b/Thủy Tiên - 0912463/Seminar/Topic #8b - Section 8 & 9 v2.pptx
@@ -213,7 +213,7 @@
             <a:fld id="{05A1084F-7AB2-425A-B7C3-A8734C630B61}" type="datetimeFigureOut">
               <a:rPr lang="en-US" smtClean="0"/>
               <a:pPr/>
-              <a:t>12/13/2011</a:t>
+              <a:t>12/14/2011</a:t>
             </a:fld>
             <a:endParaRPr lang="en-US"/>
           </a:p>
@@ -1959,7 +1959,7 @@
             <a:fld id="{FBFE3745-A615-4932-BB55-F3CCCCF66844}" type="datetimeFigureOut">
               <a:rPr lang="en-US" smtClean="0"/>
               <a:pPr/>
-              <a:t>12/13/2011</a:t>
+              <a:t>12/14/2011</a:t>
             </a:fld>
             <a:endParaRPr lang="en-US"/>
           </a:p>
@@ -2126,7 +2126,7 @@
             <a:fld id="{FBFE3745-A615-4932-BB55-F3CCCCF66844}" type="datetimeFigureOut">
               <a:rPr lang="en-US" smtClean="0"/>
               <a:pPr/>
-              <a:t>12/13/2011</a:t>
+              <a:t>12/14/2011</a:t>
             </a:fld>
             <a:endParaRPr lang="en-US"/>
           </a:p>
@@ -2303,7 +2303,7 @@
             <a:fld id="{FBFE3745-A615-4932-BB55-F3CCCCF66844}" type="datetimeFigureOut">
               <a:rPr lang="en-US" smtClean="0"/>
               <a:pPr/>
-              <a:t>12/13/2011</a:t>
+              <a:t>12/14/2011</a:t>
             </a:fld>
             <a:endParaRPr lang="en-US"/>
           </a:p>
@@ -2470,7 +2470,7 @@
             <a:fld id="{FBFE3745-A615-4932-BB55-F3CCCCF66844}" type="datetimeFigureOut">
               <a:rPr lang="en-US" smtClean="0"/>
               <a:pPr/>
-              <a:t>12/13/2011</a:t>
+              <a:t>12/14/2011</a:t>
             </a:fld>
             <a:endParaRPr lang="en-US"/>
           </a:p>
@@ -2713,7 +2713,7 @@
             <a:fld id="{FBFE3745-A615-4932-BB55-F3CCCCF66844}" type="datetimeFigureOut">
               <a:rPr lang="en-US" smtClean="0"/>
               <a:pPr/>
-              <a:t>12/13/2011</a:t>
+              <a:t>12/14/2011</a:t>
             </a:fld>
             <a:endParaRPr lang="en-US"/>
           </a:p>
@@ -2998,7 +2998,7 @@
             <a:fld id="{FBFE3745-A615-4932-BB55-F3CCCCF66844}" type="datetimeFigureOut">
               <a:rPr lang="en-US" smtClean="0"/>
               <a:pPr/>
-              <a:t>12/13/2011</a:t>
+              <a:t>12/14/2011</a:t>
             </a:fld>
             <a:endParaRPr lang="en-US"/>
           </a:p>
@@ -3417,7 +3417,7 @@
             <a:fld id="{FBFE3745-A615-4932-BB55-F3CCCCF66844}" type="datetimeFigureOut">
               <a:rPr lang="en-US" smtClean="0"/>
               <a:pPr/>
-              <a:t>12/13/2011</a:t>
+              <a:t>12/14/2011</a:t>
             </a:fld>
             <a:endParaRPr lang="en-US"/>
           </a:p>
@@ -3532,7 +3532,7 @@
             <a:fld id="{FBFE3745-A615-4932-BB55-F3CCCCF66844}" type="datetimeFigureOut">
               <a:rPr lang="en-US" smtClean="0"/>
               <a:pPr/>
-              <a:t>12/13/2011</a:t>
+              <a:t>12/14/2011</a:t>
             </a:fld>
             <a:endParaRPr lang="en-US"/>
           </a:p>
@@ -3624,7 +3624,7 @@
             <a:fld id="{FBFE3745-A615-4932-BB55-F3CCCCF66844}" type="datetimeFigureOut">
               <a:rPr lang="en-US" smtClean="0"/>
               <a:pPr/>
-              <a:t>12/13/2011</a:t>
+              <a:t>12/14/2011</a:t>
             </a:fld>
             <a:endParaRPr lang="en-US"/>
           </a:p>
@@ -3898,7 +3898,7 @@
             <a:fld id="{FBFE3745-A615-4932-BB55-F3CCCCF66844}" type="datetimeFigureOut">
               <a:rPr lang="en-US" smtClean="0"/>
               <a:pPr/>
-              <a:t>12/13/2011</a:t>
+              <a:t>12/14/2011</a:t>
             </a:fld>
             <a:endParaRPr lang="en-US"/>
           </a:p>
@@ -4148,7 +4148,7 @@
             <a:fld id="{FBFE3745-A615-4932-BB55-F3CCCCF66844}" type="datetimeFigureOut">
               <a:rPr lang="en-US" smtClean="0"/>
               <a:pPr/>
-              <a:t>12/13/2011</a:t>
+              <a:t>12/14/2011</a:t>
             </a:fld>
             <a:endParaRPr lang="en-US"/>
           </a:p>
@@ -4358,7 +4358,7 @@
             <a:fld id="{FBFE3745-A615-4932-BB55-F3CCCCF66844}" type="datetimeFigureOut">
               <a:rPr lang="en-US" smtClean="0"/>
               <a:pPr/>
-              <a:t>12/13/2011</a:t>
+              <a:t>12/14/2011</a:t>
             </a:fld>
             <a:endParaRPr lang="en-US"/>
           </a:p>
@@ -4755,7 +4755,7 @@
             <a:blip r:embed="rId2" cstate="print">
               <a:extLst>
                 <a:ext uri="{28A0092B-C50C-407E-A947-70E740481C1C}">
-                  <a14:useLocalDpi xmlns:a14="http://schemas.microsoft.com/office/drawing/2010/main" xmlns="" val="0"/>
+                  <a14:useLocalDpi xmlns="" xmlns:a14="http://schemas.microsoft.com/office/drawing/2010/main" val="0"/>
                 </a:ext>
               </a:extLst>
             </a:blip>
@@ -4841,7 +4841,7 @@
             <a:blip r:embed="rId3" cstate="print">
               <a:extLst>
                 <a:ext uri="{28A0092B-C50C-407E-A947-70E740481C1C}">
-                  <a14:useLocalDpi xmlns:a14="http://schemas.microsoft.com/office/drawing/2010/main" xmlns="" val="0"/>
+                  <a14:useLocalDpi xmlns="" xmlns:a14="http://schemas.microsoft.com/office/drawing/2010/main" val="0"/>
                 </a:ext>
               </a:extLst>
             </a:blip>
@@ -4926,7 +4926,7 @@
             <a:blip r:embed="rId4" cstate="print">
               <a:extLst>
                 <a:ext uri="{28A0092B-C50C-407E-A947-70E740481C1C}">
-                  <a14:useLocalDpi xmlns:a14="http://schemas.microsoft.com/office/drawing/2010/main" xmlns="" val="0"/>
+                  <a14:useLocalDpi xmlns="" xmlns:a14="http://schemas.microsoft.com/office/drawing/2010/main" val="0"/>
                 </a:ext>
               </a:extLst>
             </a:blip>
@@ -5011,7 +5011,7 @@
             <a:blip r:embed="rId5" cstate="print">
               <a:extLst>
                 <a:ext uri="{28A0092B-C50C-407E-A947-70E740481C1C}">
-                  <a14:useLocalDpi xmlns:a14="http://schemas.microsoft.com/office/drawing/2010/main" xmlns="" val="0"/>
+                  <a14:useLocalDpi xmlns="" xmlns:a14="http://schemas.microsoft.com/office/drawing/2010/main" val="0"/>
                 </a:ext>
               </a:extLst>
             </a:blip>
@@ -5096,7 +5096,7 @@
             <a:blip r:embed="rId6" cstate="print">
               <a:extLst>
                 <a:ext uri="{28A0092B-C50C-407E-A947-70E740481C1C}">
-                  <a14:useLocalDpi xmlns:a14="http://schemas.microsoft.com/office/drawing/2010/main" xmlns="" val="0"/>
+                  <a14:useLocalDpi xmlns="" xmlns:a14="http://schemas.microsoft.com/office/drawing/2010/main" val="0"/>
                 </a:ext>
               </a:extLst>
             </a:blip>
@@ -5182,7 +5182,7 @@
             <a:blip r:embed="rId7" cstate="print">
               <a:extLst>
                 <a:ext uri="{28A0092B-C50C-407E-A947-70E740481C1C}">
-                  <a14:useLocalDpi xmlns:a14="http://schemas.microsoft.com/office/drawing/2010/main" xmlns="" val="0"/>
+                  <a14:useLocalDpi xmlns="" xmlns:a14="http://schemas.microsoft.com/office/drawing/2010/main" val="0"/>
                 </a:ext>
               </a:extLst>
             </a:blip>
@@ -5267,7 +5267,7 @@
             <a:blip r:embed="rId8" cstate="print">
               <a:extLst>
                 <a:ext uri="{28A0092B-C50C-407E-A947-70E740481C1C}">
-                  <a14:useLocalDpi xmlns:a14="http://schemas.microsoft.com/office/drawing/2010/main" xmlns="" val="0"/>
+                  <a14:useLocalDpi xmlns="" xmlns:a14="http://schemas.microsoft.com/office/drawing/2010/main" val="0"/>
                 </a:ext>
               </a:extLst>
             </a:blip>
@@ -5353,7 +5353,7 @@
             <a:blip r:embed="rId9" cstate="print">
               <a:extLst>
                 <a:ext uri="{28A0092B-C50C-407E-A947-70E740481C1C}">
-                  <a14:useLocalDpi xmlns:a14="http://schemas.microsoft.com/office/drawing/2010/main" xmlns="" val="0"/>
+                  <a14:useLocalDpi xmlns="" xmlns:a14="http://schemas.microsoft.com/office/drawing/2010/main" val="0"/>
                 </a:ext>
               </a:extLst>
             </a:blip>
@@ -5439,7 +5439,7 @@
             <a:blip r:embed="rId10" cstate="print">
               <a:extLst>
                 <a:ext uri="{28A0092B-C50C-407E-A947-70E740481C1C}">
-                  <a14:useLocalDpi xmlns:a14="http://schemas.microsoft.com/office/drawing/2010/main" xmlns="" val="0"/>
+                  <a14:useLocalDpi xmlns="" xmlns:a14="http://schemas.microsoft.com/office/drawing/2010/main" val="0"/>
                 </a:ext>
               </a:extLst>
             </a:blip>
@@ -6973,7 +6973,7 @@
         </p:blipFill>
         <p:spPr bwMode="auto">
           <a:xfrm>
-            <a:off x="76201" y="1295400"/>
+            <a:off x="-838200" y="1981200"/>
             <a:ext cx="9067800" cy="1515309"/>
           </a:xfrm>
           <a:prstGeom prst="rect">
@@ -7165,7 +7165,7 @@
             <a:blip r:embed="rId2" cstate="print">
               <a:extLst>
                 <a:ext uri="{28A0092B-C50C-407E-A947-70E740481C1C}">
-                  <a14:useLocalDpi xmlns:a14="http://schemas.microsoft.com/office/drawing/2010/main" xmlns="" val="0"/>
+                  <a14:useLocalDpi xmlns="" xmlns:a14="http://schemas.microsoft.com/office/drawing/2010/main" val="0"/>
                 </a:ext>
               </a:extLst>
             </a:blip>
@@ -7251,7 +7251,7 @@
             <a:blip r:embed="rId3" cstate="print">
               <a:extLst>
                 <a:ext uri="{28A0092B-C50C-407E-A947-70E740481C1C}">
-                  <a14:useLocalDpi xmlns:a14="http://schemas.microsoft.com/office/drawing/2010/main" xmlns="" val="0"/>
+                  <a14:useLocalDpi xmlns="" xmlns:a14="http://schemas.microsoft.com/office/drawing/2010/main" val="0"/>
                 </a:ext>
               </a:extLst>
             </a:blip>
@@ -7336,7 +7336,7 @@
             <a:blip r:embed="rId4" cstate="print">
               <a:extLst>
                 <a:ext uri="{28A0092B-C50C-407E-A947-70E740481C1C}">
-                  <a14:useLocalDpi xmlns:a14="http://schemas.microsoft.com/office/drawing/2010/main" xmlns="" val="0"/>
+                  <a14:useLocalDpi xmlns="" xmlns:a14="http://schemas.microsoft.com/office/drawing/2010/main" val="0"/>
                 </a:ext>
               </a:extLst>
             </a:blip>
@@ -7421,7 +7421,7 @@
             <a:blip r:embed="rId5" cstate="print">
               <a:extLst>
                 <a:ext uri="{28A0092B-C50C-407E-A947-70E740481C1C}">
-                  <a14:useLocalDpi xmlns:a14="http://schemas.microsoft.com/office/drawing/2010/main" xmlns="" val="0"/>
+                  <a14:useLocalDpi xmlns="" xmlns:a14="http://schemas.microsoft.com/office/drawing/2010/main" val="0"/>
                 </a:ext>
               </a:extLst>
             </a:blip>
@@ -7506,7 +7506,7 @@
             <a:blip r:embed="rId6" cstate="print">
               <a:extLst>
                 <a:ext uri="{28A0092B-C50C-407E-A947-70E740481C1C}">
-                  <a14:useLocalDpi xmlns:a14="http://schemas.microsoft.com/office/drawing/2010/main" xmlns="" val="0"/>
+                  <a14:useLocalDpi xmlns="" xmlns:a14="http://schemas.microsoft.com/office/drawing/2010/main" val="0"/>
                 </a:ext>
               </a:extLst>
             </a:blip>
@@ -7592,7 +7592,7 @@
             <a:blip r:embed="rId7" cstate="print">
               <a:extLst>
                 <a:ext uri="{28A0092B-C50C-407E-A947-70E740481C1C}">
-                  <a14:useLocalDpi xmlns:a14="http://schemas.microsoft.com/office/drawing/2010/main" xmlns="" val="0"/>
+                  <a14:useLocalDpi xmlns="" xmlns:a14="http://schemas.microsoft.com/office/drawing/2010/main" val="0"/>
                 </a:ext>
               </a:extLst>
             </a:blip>
@@ -7677,7 +7677,7 @@
             <a:blip r:embed="rId8" cstate="print">
               <a:extLst>
                 <a:ext uri="{28A0092B-C50C-407E-A947-70E740481C1C}">
-                  <a14:useLocalDpi xmlns:a14="http://schemas.microsoft.com/office/drawing/2010/main" xmlns="" val="0"/>
+                  <a14:useLocalDpi xmlns="" xmlns:a14="http://schemas.microsoft.com/office/drawing/2010/main" val="0"/>
                 </a:ext>
               </a:extLst>
             </a:blip>
@@ -7763,7 +7763,7 @@
             <a:blip r:embed="rId9" cstate="print">
               <a:extLst>
                 <a:ext uri="{28A0092B-C50C-407E-A947-70E740481C1C}">
-                  <a14:useLocalDpi xmlns:a14="http://schemas.microsoft.com/office/drawing/2010/main" xmlns="" val="0"/>
+                  <a14:useLocalDpi xmlns="" xmlns:a14="http://schemas.microsoft.com/office/drawing/2010/main" val="0"/>
                 </a:ext>
               </a:extLst>
             </a:blip>
@@ -7849,7 +7849,7 @@
             <a:blip r:embed="rId10" cstate="print">
               <a:extLst>
                 <a:ext uri="{28A0092B-C50C-407E-A947-70E740481C1C}">
-                  <a14:useLocalDpi xmlns:a14="http://schemas.microsoft.com/office/drawing/2010/main" xmlns="" val="0"/>
+                  <a14:useLocalDpi xmlns="" xmlns:a14="http://schemas.microsoft.com/office/drawing/2010/main" val="0"/>
                 </a:ext>
               </a:extLst>
             </a:blip>
@@ -8510,15 +8510,7 @@
             </a:r>
             <a:r>
               <a:rPr lang="en-US" dirty="0" smtClean="0"/>
-              <a:t> </a:t>
-            </a:r>
-            <a:r>
-              <a:rPr lang="en-US" dirty="0" smtClean="0"/>
-              <a:t>ORDBMS</a:t>
-            </a:r>
-            <a:r>
-              <a:rPr lang="en-US" dirty="0" smtClean="0"/>
-              <a:t>.</a:t>
+              <a:t> ORDBMS.</a:t>
             </a:r>
           </a:p>
           <a:p>
@@ -8957,7 +8949,7 @@
         </p:spPr>
         <p:txBody>
           <a:bodyPr>
-            <a:normAutofit fontScale="85000" lnSpcReduction="20000"/>
+            <a:normAutofit fontScale="92500" lnSpcReduction="20000"/>
           </a:bodyPr>
           <a:lstStyle/>
           <a:p>
@@ -9384,56 +9376,7 @@
               <a:rPr lang="en-US" b="1" dirty="0" smtClean="0"/>
               <a:t>.</a:t>
             </a:r>
-          </a:p>
-          <a:p>
-            <a:r>
-              <a:rPr lang="en-US" dirty="0" err="1" smtClean="0"/>
-              <a:t>Cung</a:t>
-            </a:r>
-            <a:r>
-              <a:rPr lang="en-US" dirty="0" smtClean="0"/>
-              <a:t> </a:t>
-            </a:r>
-            <a:r>
-              <a:rPr lang="en-US" dirty="0" err="1" smtClean="0"/>
-              <a:t>cấp</a:t>
-            </a:r>
-            <a:r>
-              <a:rPr lang="en-US" dirty="0" smtClean="0"/>
-              <a:t> </a:t>
-            </a:r>
-            <a:r>
-              <a:rPr lang="en-US" dirty="0" err="1" smtClean="0"/>
-              <a:t>các</a:t>
-            </a:r>
-            <a:r>
-              <a:rPr lang="en-US" dirty="0" smtClean="0"/>
-              <a:t> </a:t>
-            </a:r>
-            <a:r>
-              <a:rPr lang="en-US" dirty="0" err="1" smtClean="0"/>
-              <a:t>chức</a:t>
-            </a:r>
-            <a:r>
-              <a:rPr lang="en-US" dirty="0" smtClean="0"/>
-              <a:t> </a:t>
-            </a:r>
-            <a:r>
-              <a:rPr lang="en-US" dirty="0" err="1" smtClean="0"/>
-              <a:t>năng</a:t>
-            </a:r>
-            <a:r>
-              <a:rPr lang="en-US" dirty="0" smtClean="0"/>
-              <a:t> </a:t>
-            </a:r>
-            <a:r>
-              <a:rPr lang="en-US" dirty="0" err="1" smtClean="0"/>
-              <a:t>của</a:t>
-            </a:r>
-            <a:r>
-              <a:rPr lang="en-US" dirty="0" smtClean="0"/>
-              <a:t> DBMS.</a:t>
-            </a:r>
+            <a:endParaRPr lang="en-US" b="1" dirty="0" smtClean="0"/>
           </a:p>
         </p:txBody>
       </p:sp>
@@ -9780,67 +9723,6 @@
                       </p:childTnLst>
                     </p:cTn>
                   </p:par>
-                  <p:par>
-                    <p:cTn id="29" fill="hold">
-                      <p:stCondLst>
-                        <p:cond delay="indefinite"/>
-                      </p:stCondLst>
-                      <p:childTnLst>
-                        <p:par>
-                          <p:cTn id="30" fill="hold">
-                            <p:stCondLst>
-                              <p:cond delay="0"/>
-                            </p:stCondLst>
-                            <p:childTnLst>
-                              <p:par>
-                                <p:cTn id="31" presetID="3" presetClass="entr" presetSubtype="10" fill="hold" grpId="0" nodeType="clickEffect">
-                                  <p:stCondLst>
-                                    <p:cond delay="0"/>
-                                  </p:stCondLst>
-                                  <p:childTnLst>
-                                    <p:set>
-                                      <p:cBhvr>
-                                        <p:cTn id="32" dur="1" fill="hold">
-                                          <p:stCondLst>
-                                            <p:cond delay="0"/>
-                                          </p:stCondLst>
-                                        </p:cTn>
-                                        <p:tgtEl>
-                                          <p:spTgt spid="3">
-                                            <p:txEl>
-                                              <p:pRg st="6" end="6"/>
-                                            </p:txEl>
-                                          </p:spTgt>
-                                        </p:tgtEl>
-                                        <p:attrNameLst>
-                                          <p:attrName>style.visibility</p:attrName>
-                                        </p:attrNameLst>
-                                      </p:cBhvr>
-                                      <p:to>
-                                        <p:strVal val="visible"/>
-                                      </p:to>
-                                    </p:set>
-                                    <p:animEffect transition="in" filter="blinds(horizontal)">
-                                      <p:cBhvr>
-                                        <p:cTn id="33" dur="500"/>
-                                        <p:tgtEl>
-                                          <p:spTgt spid="3">
-                                            <p:txEl>
-                                              <p:pRg st="6" end="6"/>
-                                            </p:txEl>
-                                          </p:spTgt>
-                                        </p:tgtEl>
-                                      </p:cBhvr>
-                                    </p:animEffect>
-                                  </p:childTnLst>
-                                </p:cTn>
-                              </p:par>
-                            </p:childTnLst>
-                          </p:cTn>
-                        </p:par>
-                      </p:childTnLst>
-                    </p:cTn>
-                  </p:par>
                 </p:childTnLst>
               </p:cTn>
               <p:prevCondLst>
@@ -10317,35 +10199,35 @@
             </a:r>
             <a:r>
               <a:rPr lang="en-US" dirty="0" err="1" smtClean="0"/>
-              <a:t>các</a:t>
-            </a:r>
-            <a:r>
-              <a:rPr lang="en-US" dirty="0" smtClean="0"/>
-              <a:t> </a:t>
-            </a:r>
-            <a:r>
-              <a:rPr lang="en-US" dirty="0" err="1" smtClean="0"/>
-              <a:t>chức</a:t>
-            </a:r>
-            <a:r>
-              <a:rPr lang="en-US" dirty="0" smtClean="0"/>
-              <a:t> </a:t>
-            </a:r>
-            <a:r>
-              <a:rPr lang="en-US" dirty="0" err="1" smtClean="0"/>
-              <a:t>năng</a:t>
-            </a:r>
-            <a:r>
-              <a:rPr lang="en-US" dirty="0" smtClean="0"/>
-              <a:t> </a:t>
-            </a:r>
-            <a:r>
-              <a:rPr lang="en-US" dirty="0" err="1" smtClean="0"/>
-              <a:t>của</a:t>
-            </a:r>
-            <a:r>
-              <a:rPr lang="en-US" dirty="0" smtClean="0"/>
-              <a:t> DBMS </a:t>
+              <a:t>ngôn</a:t>
+            </a:r>
+            <a:r>
+              <a:rPr lang="en-US" dirty="0" smtClean="0"/>
+              <a:t> </a:t>
+            </a:r>
+            <a:r>
+              <a:rPr lang="en-US" dirty="0" err="1" smtClean="0"/>
+              <a:t>ngữ</a:t>
+            </a:r>
+            <a:r>
+              <a:rPr lang="en-US" dirty="0" smtClean="0"/>
+              <a:t> </a:t>
+            </a:r>
+            <a:r>
+              <a:rPr lang="en-US" dirty="0" err="1" smtClean="0"/>
+              <a:t>lập</a:t>
+            </a:r>
+            <a:r>
+              <a:rPr lang="en-US" dirty="0" smtClean="0"/>
+              <a:t> </a:t>
+            </a:r>
+            <a:r>
+              <a:rPr lang="en-US" dirty="0" err="1" smtClean="0"/>
+              <a:t>trình</a:t>
+            </a:r>
+            <a:r>
+              <a:rPr lang="en-US" dirty="0" smtClean="0"/>
+              <a:t> </a:t>
             </a:r>
             <a:r>
               <a:rPr lang="en-US" dirty="0" err="1" smtClean="0"/>
@@ -10353,35 +10235,7 @@
             </a:r>
             <a:r>
               <a:rPr lang="en-US" dirty="0" smtClean="0"/>
-              <a:t> </a:t>
-            </a:r>
-            <a:r>
-              <a:rPr lang="en-US" dirty="0" err="1" smtClean="0"/>
-              <a:t>ngôn</a:t>
-            </a:r>
-            <a:r>
-              <a:rPr lang="en-US" dirty="0" smtClean="0"/>
-              <a:t> </a:t>
-            </a:r>
-            <a:r>
-              <a:rPr lang="en-US" dirty="0" err="1" smtClean="0"/>
-              <a:t>ngữ</a:t>
-            </a:r>
-            <a:r>
-              <a:rPr lang="en-US" dirty="0" smtClean="0"/>
-              <a:t> </a:t>
-            </a:r>
-            <a:r>
-              <a:rPr lang="en-US" dirty="0" err="1" smtClean="0"/>
-              <a:t>lập</a:t>
-            </a:r>
-            <a:r>
-              <a:rPr lang="en-US" dirty="0" smtClean="0"/>
-              <a:t> </a:t>
-            </a:r>
-            <a:r>
-              <a:rPr lang="en-US" dirty="0" err="1" smtClean="0"/>
-              <a:t>trình</a:t>
+              <a:t> DBMS</a:t>
             </a:r>
             <a:r>
               <a:rPr lang="en-US" dirty="0" smtClean="0"/>
@@ -10993,11 +10847,7 @@
             </a:r>
             <a:r>
               <a:rPr lang="en-US" dirty="0" smtClean="0"/>
-              <a:t> </a:t>
-            </a:r>
-            <a:r>
-              <a:rPr lang="en-US" dirty="0" smtClean="0"/>
-              <a:t>OODBMS, </a:t>
+              <a:t> OODBMS, </a:t>
             </a:r>
             <a:r>
               <a:rPr lang="en-US" dirty="0" err="1" smtClean="0"/>
@@ -11806,8 +11656,33 @@
             </a:r>
             <a:r>
               <a:rPr lang="en-US" dirty="0" smtClean="0"/>
-              <a:t> type constructor.</a:t>
-            </a:r>
+              <a:t> </a:t>
+            </a:r>
+            <a:r>
+              <a:rPr lang="en-US" dirty="0" err="1" smtClean="0"/>
+              <a:t>hàm</a:t>
+            </a:r>
+            <a:r>
+              <a:rPr lang="en-US" dirty="0" smtClean="0"/>
+              <a:t> </a:t>
+            </a:r>
+            <a:r>
+              <a:rPr lang="en-US" dirty="0" err="1" smtClean="0"/>
+              <a:t>dựng</a:t>
+            </a:r>
+            <a:r>
+              <a:rPr lang="en-US" dirty="0" smtClean="0"/>
+              <a:t> </a:t>
+            </a:r>
+            <a:r>
+              <a:rPr lang="en-US" dirty="0" err="1" smtClean="0"/>
+              <a:t>kiểu</a:t>
+            </a:r>
+            <a:r>
+              <a:rPr lang="en-US" dirty="0" smtClean="0"/>
+              <a:t>.</a:t>
+            </a:r>
+            <a:endParaRPr lang="en-US" dirty="0" smtClean="0"/>
           </a:p>
           <a:p>
             <a:r>
@@ -16546,10 +16421,34 @@
           <a:lstStyle/>
           <a:p>
             <a:r>
-              <a:rPr lang="en-US" b="1" dirty="0" smtClean="0"/>
-              <a:t>Example</a:t>
-            </a:r>
-            <a:endParaRPr lang="en-US" b="1" dirty="0"/>
+              <a:rPr lang="en-US" b="1" dirty="0" err="1" smtClean="0">
+                <a:solidFill>
+                  <a:srgbClr val="FF0000"/>
+                </a:solidFill>
+              </a:rPr>
+              <a:t>Ví</a:t>
+            </a:r>
+            <a:r>
+              <a:rPr lang="en-US" b="1" dirty="0" smtClean="0">
+                <a:solidFill>
+                  <a:srgbClr val="FF0000"/>
+                </a:solidFill>
+              </a:rPr>
+              <a:t> </a:t>
+            </a:r>
+            <a:r>
+              <a:rPr lang="en-US" b="1" dirty="0" err="1" smtClean="0">
+                <a:solidFill>
+                  <a:srgbClr val="FF0000"/>
+                </a:solidFill>
+              </a:rPr>
+              <a:t>dụ</a:t>
+            </a:r>
+            <a:endParaRPr lang="en-US" b="1" dirty="0">
+              <a:solidFill>
+                <a:srgbClr val="FF0000"/>
+              </a:solidFill>
+            </a:endParaRPr>
           </a:p>
         </p:txBody>
       </p:sp>
@@ -16563,7 +16462,7 @@
         </p:nvGraphicFramePr>
         <p:xfrm>
           <a:off x="381000" y="2545080"/>
-          <a:ext cx="3048000" cy="1651000"/>
+          <a:ext cx="3048000" cy="2103120"/>
         </p:xfrm>
         <a:graphic>
           <a:graphicData uri="http://schemas.openxmlformats.org/drawingml/2006/table">
@@ -16581,10 +16480,10 @@
                     <a:lstStyle/>
                     <a:p>
                       <a:r>
-                        <a:rPr lang="en-US" dirty="0" smtClean="0"/>
+                        <a:rPr lang="en-US" sz="2400" dirty="0" smtClean="0"/>
                         <a:t>MOVIE</a:t>
                       </a:r>
-                      <a:endParaRPr lang="en-US" dirty="0"/>
+                      <a:endParaRPr lang="en-US" sz="2400" dirty="0"/>
                     </a:p>
                   </a:txBody>
                   <a:tcPr/>
@@ -16597,10 +16496,10 @@
                     <a:lstStyle/>
                     <a:p>
                       <a:r>
-                        <a:rPr lang="en-US" b="1" dirty="0" err="1" smtClean="0"/>
+                        <a:rPr lang="en-US" sz="2400" b="1" dirty="0" err="1" smtClean="0"/>
                         <a:t>movieName</a:t>
                       </a:r>
-                      <a:endParaRPr lang="en-US" b="1" dirty="0"/>
+                      <a:endParaRPr lang="en-US" sz="2400" b="1" dirty="0"/>
                     </a:p>
                   </a:txBody>
                   <a:tcPr/>
@@ -16613,27 +16512,27 @@
                     <a:lstStyle/>
                     <a:p>
                       <a:r>
-                        <a:rPr lang="en-US" dirty="0" smtClean="0"/>
+                        <a:rPr lang="en-US" sz="2400" dirty="0" smtClean="0"/>
                         <a:t>start:</a:t>
                       </a:r>
                       <a:r>
-                        <a:rPr lang="en-US" baseline="0" dirty="0" smtClean="0"/>
+                        <a:rPr lang="en-US" sz="2400" baseline="0" dirty="0" smtClean="0"/>
                         <a:t> date</a:t>
                       </a:r>
                     </a:p>
                     <a:p>
                       <a:r>
-                        <a:rPr lang="en-US" baseline="0" dirty="0" smtClean="0"/>
+                        <a:rPr lang="en-US" sz="2400" baseline="0" dirty="0" smtClean="0"/>
                         <a:t>end: date</a:t>
                       </a:r>
                     </a:p>
                     <a:p>
                       <a:r>
-                        <a:rPr lang="en-US" baseline="0" dirty="0" err="1" smtClean="0"/>
+                        <a:rPr lang="en-US" sz="2400" baseline="0" dirty="0" err="1" smtClean="0"/>
                         <a:t>movieName</a:t>
                       </a:r>
                       <a:r>
-                        <a:rPr lang="en-US" baseline="0" dirty="0" smtClean="0"/>
+                        <a:rPr lang="en-US" sz="2400" baseline="0" dirty="0" smtClean="0"/>
                         <a:t>: string</a:t>
                       </a:r>
                     </a:p>
@@ -16655,7 +16554,7 @@
         </p:nvGraphicFramePr>
         <p:xfrm>
           <a:off x="5791200" y="2392680"/>
-          <a:ext cx="3048000" cy="2026920"/>
+          <a:ext cx="3048000" cy="2560320"/>
         </p:xfrm>
         <a:graphic>
           <a:graphicData uri="http://schemas.openxmlformats.org/drawingml/2006/table">
@@ -16673,10 +16572,10 @@
                     <a:lstStyle/>
                     <a:p>
                       <a:r>
-                        <a:rPr lang="en-US" dirty="0" smtClean="0"/>
+                        <a:rPr lang="en-US" sz="2400" dirty="0" smtClean="0"/>
                         <a:t>THEATER</a:t>
                       </a:r>
-                      <a:endParaRPr lang="en-US" dirty="0"/>
+                      <a:endParaRPr lang="en-US" sz="2400" dirty="0"/>
                     </a:p>
                   </a:txBody>
                   <a:tcPr/>
@@ -16689,10 +16588,10 @@
                     <a:lstStyle/>
                     <a:p>
                       <a:r>
-                        <a:rPr lang="en-US" b="1" dirty="0" err="1" smtClean="0"/>
+                        <a:rPr lang="en-US" sz="2400" b="1" dirty="0" err="1" smtClean="0"/>
                         <a:t>theaterName</a:t>
                       </a:r>
-                      <a:endParaRPr lang="en-US" b="1" dirty="0"/>
+                      <a:endParaRPr lang="en-US" sz="2400" b="1" dirty="0"/>
                     </a:p>
                   </a:txBody>
                   <a:tcPr/>
@@ -16705,27 +16604,27 @@
                     <a:lstStyle/>
                     <a:p>
                       <a:r>
-                        <a:rPr lang="en-US" baseline="0" dirty="0" err="1" smtClean="0"/>
+                        <a:rPr lang="en-US" sz="2400" baseline="0" dirty="0" err="1" smtClean="0"/>
                         <a:t>theaterName</a:t>
                       </a:r>
                       <a:r>
-                        <a:rPr lang="en-US" baseline="0" dirty="0" smtClean="0"/>
+                        <a:rPr lang="en-US" sz="2400" baseline="0" dirty="0" smtClean="0"/>
                         <a:t>: string</a:t>
                       </a:r>
                     </a:p>
                     <a:p>
                       <a:r>
-                        <a:rPr lang="en-US" baseline="0" dirty="0" smtClean="0"/>
+                        <a:rPr lang="en-US" sz="2400" baseline="0" dirty="0" smtClean="0"/>
                         <a:t>address: string</a:t>
                       </a:r>
                     </a:p>
                     <a:p>
                       <a:r>
-                        <a:rPr lang="en-US" baseline="0" dirty="0" err="1" smtClean="0"/>
+                        <a:rPr lang="en-US" sz="2400" baseline="0" dirty="0" err="1" smtClean="0"/>
                         <a:t>ticketPrice</a:t>
                       </a:r>
                       <a:r>
-                        <a:rPr lang="en-US" baseline="0" dirty="0" smtClean="0"/>
+                        <a:rPr lang="en-US" sz="2400" baseline="0" dirty="0" smtClean="0"/>
                         <a:t>: integer</a:t>
                       </a:r>
                     </a:p>
@@ -16740,11 +16639,11 @@
                     <a:lstStyle/>
                     <a:p>
                       <a:r>
-                        <a:rPr lang="en-US" baseline="0" dirty="0" err="1" smtClean="0"/>
+                        <a:rPr lang="en-US" sz="2400" baseline="0" dirty="0" err="1" smtClean="0"/>
                         <a:t>numshowing</a:t>
                       </a:r>
                       <a:r>
-                        <a:rPr lang="en-US" baseline="0" dirty="0" smtClean="0"/>
+                        <a:rPr lang="en-US" sz="2400" baseline="0" dirty="0" smtClean="0"/>
                         <a:t>(): float</a:t>
                       </a:r>
                     </a:p>
